--- a/slides/Unit8_Conditional Statements.pptx
+++ b/slides/Unit8_Conditional Statements.pptx
@@ -5,10 +5,10 @@
     <p:sldMasterId id="2147485087" r:id="rId1"/>
   </p:sldMasterIdLst>
   <p:notesMasterIdLst>
-    <p:notesMasterId r:id="rId17"/>
+    <p:notesMasterId r:id="rId19"/>
   </p:notesMasterIdLst>
   <p:handoutMasterIdLst>
-    <p:handoutMasterId r:id="rId18"/>
+    <p:handoutMasterId r:id="rId20"/>
   </p:handoutMasterIdLst>
   <p:sldIdLst>
     <p:sldId id="256" r:id="rId2"/>
@@ -26,6 +26,8 @@
     <p:sldId id="557" r:id="rId14"/>
     <p:sldId id="556" r:id="rId15"/>
     <p:sldId id="558" r:id="rId16"/>
+    <p:sldId id="524" r:id="rId17"/>
+    <p:sldId id="563" r:id="rId18"/>
   </p:sldIdLst>
   <p:sldSz cx="9144000" cy="6858000" type="screen4x3"/>
   <p:notesSz cx="7010400" cy="9296400"/>
@@ -190,7 +192,7 @@
 <file path=ppt/revisionInfo.xml><?xml version="1.0" encoding="utf-8"?>
 <p1510:revInfo xmlns:a="http://schemas.openxmlformats.org/drawingml/2006/main" xmlns:r="http://schemas.openxmlformats.org/officeDocument/2006/relationships" xmlns:p1510="http://schemas.microsoft.com/office/powerpoint/2015/10/main">
   <p1510:revLst>
-    <p1510:client id="{B1F7CFED-A664-443A-A173-5DFC1A50598C}" v="436" dt="2021-01-27T08:43:28.344"/>
+    <p1510:client id="{C93C4A5C-67F6-447F-9979-A1EEF99F3828}" v="96" dt="2021-02-01T05:20:28.908"/>
   </p1510:revLst>
 </p1510:revInfo>
 </file>
@@ -3626,6 +3628,290 @@
       </pc:sldChg>
     </pc:docChg>
   </pc:docChgLst>
+  <pc:docChgLst>
+    <pc:chgData name="Zhao Jin" userId="cd05a825-544c-438a-9ba1-08e63db50b47" providerId="ADAL" clId="{C93C4A5C-67F6-447F-9979-A1EEF99F3828}"/>
+    <pc:docChg chg="undo redo custSel addSld delSld modSld">
+      <pc:chgData name="Zhao Jin" userId="cd05a825-544c-438a-9ba1-08e63db50b47" providerId="ADAL" clId="{C93C4A5C-67F6-447F-9979-A1EEF99F3828}" dt="2021-02-01T05:25:43.987" v="1848" actId="1035"/>
+      <pc:docMkLst>
+        <pc:docMk/>
+      </pc:docMkLst>
+      <pc:sldChg chg="modSp mod">
+        <pc:chgData name="Zhao Jin" userId="cd05a825-544c-438a-9ba1-08e63db50b47" providerId="ADAL" clId="{C93C4A5C-67F6-447F-9979-A1EEF99F3828}" dt="2021-02-01T04:09:18.530" v="0" actId="14100"/>
+        <pc:sldMkLst>
+          <pc:docMk/>
+          <pc:sldMk cId="3792232794" sldId="504"/>
+        </pc:sldMkLst>
+        <pc:grpChg chg="mod">
+          <ac:chgData name="Zhao Jin" userId="cd05a825-544c-438a-9ba1-08e63db50b47" providerId="ADAL" clId="{C93C4A5C-67F6-447F-9979-A1EEF99F3828}" dt="2021-02-01T04:09:18.530" v="0" actId="14100"/>
+          <ac:grpSpMkLst>
+            <pc:docMk/>
+            <pc:sldMk cId="3792232794" sldId="504"/>
+            <ac:grpSpMk id="69" creationId="{00000000-0000-0000-0000-000000000000}"/>
+          </ac:grpSpMkLst>
+        </pc:grpChg>
+      </pc:sldChg>
+      <pc:sldChg chg="addSp delSp modSp add mod">
+        <pc:chgData name="Zhao Jin" userId="cd05a825-544c-438a-9ba1-08e63db50b47" providerId="ADAL" clId="{C93C4A5C-67F6-447F-9979-A1EEF99F3828}" dt="2021-02-01T05:19:09.706" v="1270" actId="20577"/>
+        <pc:sldMkLst>
+          <pc:docMk/>
+          <pc:sldMk cId="2775173622" sldId="524"/>
+        </pc:sldMkLst>
+        <pc:spChg chg="del">
+          <ac:chgData name="Zhao Jin" userId="cd05a825-544c-438a-9ba1-08e63db50b47" providerId="ADAL" clId="{C93C4A5C-67F6-447F-9979-A1EEF99F3828}" dt="2021-02-01T05:07:08.266" v="225" actId="478"/>
+          <ac:spMkLst>
+            <pc:docMk/>
+            <pc:sldMk cId="2775173622" sldId="524"/>
+            <ac:spMk id="2" creationId="{00000000-0000-0000-0000-000000000000}"/>
+          </ac:spMkLst>
+        </pc:spChg>
+        <pc:spChg chg="del">
+          <ac:chgData name="Zhao Jin" userId="cd05a825-544c-438a-9ba1-08e63db50b47" providerId="ADAL" clId="{C93C4A5C-67F6-447F-9979-A1EEF99F3828}" dt="2021-02-01T05:07:14.634" v="228" actId="478"/>
+          <ac:spMkLst>
+            <pc:docMk/>
+            <pc:sldMk cId="2775173622" sldId="524"/>
+            <ac:spMk id="8" creationId="{00000000-0000-0000-0000-000000000000}"/>
+          </ac:spMkLst>
+        </pc:spChg>
+        <pc:spChg chg="del">
+          <ac:chgData name="Zhao Jin" userId="cd05a825-544c-438a-9ba1-08e63db50b47" providerId="ADAL" clId="{C93C4A5C-67F6-447F-9979-A1EEF99F3828}" dt="2021-02-01T05:07:11.384" v="227" actId="478"/>
+          <ac:spMkLst>
+            <pc:docMk/>
+            <pc:sldMk cId="2775173622" sldId="524"/>
+            <ac:spMk id="11" creationId="{00000000-0000-0000-0000-000000000000}"/>
+          </ac:spMkLst>
+        </pc:spChg>
+        <pc:spChg chg="add del mod">
+          <ac:chgData name="Zhao Jin" userId="cd05a825-544c-438a-9ba1-08e63db50b47" providerId="ADAL" clId="{C93C4A5C-67F6-447F-9979-A1EEF99F3828}" dt="2021-02-01T05:18:19.132" v="1051" actId="478"/>
+          <ac:spMkLst>
+            <pc:docMk/>
+            <pc:sldMk cId="2775173622" sldId="524"/>
+            <ac:spMk id="12" creationId="{E4C61F2F-0BA9-408B-9AF3-62FBBD5F8126}"/>
+          </ac:spMkLst>
+        </pc:spChg>
+        <pc:spChg chg="add del mod">
+          <ac:chgData name="Zhao Jin" userId="cd05a825-544c-438a-9ba1-08e63db50b47" providerId="ADAL" clId="{C93C4A5C-67F6-447F-9979-A1EEF99F3828}" dt="2021-02-01T05:19:09.706" v="1270" actId="20577"/>
+          <ac:spMkLst>
+            <pc:docMk/>
+            <pc:sldMk cId="2775173622" sldId="524"/>
+            <ac:spMk id="15" creationId="{00000000-0000-0000-0000-000000000000}"/>
+          </ac:spMkLst>
+        </pc:spChg>
+        <pc:spChg chg="mod">
+          <ac:chgData name="Zhao Jin" userId="cd05a825-544c-438a-9ba1-08e63db50b47" providerId="ADAL" clId="{C93C4A5C-67F6-447F-9979-A1EEF99F3828}" dt="2021-02-01T05:05:17.703" v="222" actId="20577"/>
+          <ac:spMkLst>
+            <pc:docMk/>
+            <pc:sldMk cId="2775173622" sldId="524"/>
+            <ac:spMk id="25602" creationId="{00000000-0000-0000-0000-000000000000}"/>
+          </ac:spMkLst>
+        </pc:spChg>
+        <pc:graphicFrameChg chg="add mod modGraphic">
+          <ac:chgData name="Zhao Jin" userId="cd05a825-544c-438a-9ba1-08e63db50b47" providerId="ADAL" clId="{C93C4A5C-67F6-447F-9979-A1EEF99F3828}" dt="2021-02-01T05:16:58.101" v="973" actId="120"/>
+          <ac:graphicFrameMkLst>
+            <pc:docMk/>
+            <pc:sldMk cId="2775173622" sldId="524"/>
+            <ac:graphicFrameMk id="5" creationId="{9E742EBA-8F43-4310-AD68-B4660B9ECF59}"/>
+          </ac:graphicFrameMkLst>
+        </pc:graphicFrameChg>
+        <pc:picChg chg="add del mod">
+          <ac:chgData name="Zhao Jin" userId="cd05a825-544c-438a-9ba1-08e63db50b47" providerId="ADAL" clId="{C93C4A5C-67F6-447F-9979-A1EEF99F3828}" dt="2021-02-01T05:12:25.839" v="607" actId="478"/>
+          <ac:picMkLst>
+            <pc:docMk/>
+            <pc:sldMk cId="2775173622" sldId="524"/>
+            <ac:picMk id="4" creationId="{21E7EE8E-039E-42B0-8B23-10E559ADE006}"/>
+          </ac:picMkLst>
+        </pc:picChg>
+      </pc:sldChg>
+      <pc:sldChg chg="addSp modSp mod modAnim">
+        <pc:chgData name="Zhao Jin" userId="cd05a825-544c-438a-9ba1-08e63db50b47" providerId="ADAL" clId="{C93C4A5C-67F6-447F-9979-A1EEF99F3828}" dt="2021-02-01T04:46:19.145" v="98"/>
+        <pc:sldMkLst>
+          <pc:docMk/>
+          <pc:sldMk cId="4228901100" sldId="545"/>
+        </pc:sldMkLst>
+        <pc:spChg chg="add mod">
+          <ac:chgData name="Zhao Jin" userId="cd05a825-544c-438a-9ba1-08e63db50b47" providerId="ADAL" clId="{C93C4A5C-67F6-447F-9979-A1EEF99F3828}" dt="2021-02-01T04:46:09.615" v="97" actId="2085"/>
+          <ac:spMkLst>
+            <pc:docMk/>
+            <pc:sldMk cId="4228901100" sldId="545"/>
+            <ac:spMk id="2" creationId="{0BCE9ED3-7444-49E9-AF59-592D998E5189}"/>
+          </ac:spMkLst>
+        </pc:spChg>
+        <pc:spChg chg="add mod">
+          <ac:chgData name="Zhao Jin" userId="cd05a825-544c-438a-9ba1-08e63db50b47" providerId="ADAL" clId="{C93C4A5C-67F6-447F-9979-A1EEF99F3828}" dt="2021-02-01T04:45:13.001" v="93" actId="1076"/>
+          <ac:spMkLst>
+            <pc:docMk/>
+            <pc:sldMk cId="4228901100" sldId="545"/>
+            <ac:spMk id="10" creationId="{853A051E-3941-42AF-BD7D-94D3E7AB0C47}"/>
+          </ac:spMkLst>
+        </pc:spChg>
+      </pc:sldChg>
+      <pc:sldChg chg="modSp mod">
+        <pc:chgData name="Zhao Jin" userId="cd05a825-544c-438a-9ba1-08e63db50b47" providerId="ADAL" clId="{C93C4A5C-67F6-447F-9979-A1EEF99F3828}" dt="2021-02-01T05:03:20.192" v="182" actId="14734"/>
+        <pc:sldMkLst>
+          <pc:docMk/>
+          <pc:sldMk cId="1617257579" sldId="548"/>
+        </pc:sldMkLst>
+        <pc:spChg chg="mod">
+          <ac:chgData name="Zhao Jin" userId="cd05a825-544c-438a-9ba1-08e63db50b47" providerId="ADAL" clId="{C93C4A5C-67F6-447F-9979-A1EEF99F3828}" dt="2021-02-01T04:53:09.666" v="148" actId="20577"/>
+          <ac:spMkLst>
+            <pc:docMk/>
+            <pc:sldMk cId="1617257579" sldId="548"/>
+            <ac:spMk id="14338" creationId="{00000000-0000-0000-0000-000000000000}"/>
+          </ac:spMkLst>
+        </pc:spChg>
+        <pc:graphicFrameChg chg="mod modGraphic">
+          <ac:chgData name="Zhao Jin" userId="cd05a825-544c-438a-9ba1-08e63db50b47" providerId="ADAL" clId="{C93C4A5C-67F6-447F-9979-A1EEF99F3828}" dt="2021-02-01T05:03:20.192" v="182" actId="14734"/>
+          <ac:graphicFrameMkLst>
+            <pc:docMk/>
+            <pc:sldMk cId="1617257579" sldId="548"/>
+            <ac:graphicFrameMk id="10" creationId="{9C421041-2210-4121-91BC-BD8BDCC5C1CA}"/>
+          </ac:graphicFrameMkLst>
+        </pc:graphicFrameChg>
+      </pc:sldChg>
+      <pc:sldChg chg="addSp modSp mod">
+        <pc:chgData name="Zhao Jin" userId="cd05a825-544c-438a-9ba1-08e63db50b47" providerId="ADAL" clId="{C93C4A5C-67F6-447F-9979-A1EEF99F3828}" dt="2021-02-01T04:19:10.410" v="23" actId="13926"/>
+        <pc:sldMkLst>
+          <pc:docMk/>
+          <pc:sldMk cId="1427618944" sldId="553"/>
+        </pc:sldMkLst>
+        <pc:spChg chg="add mod">
+          <ac:chgData name="Zhao Jin" userId="cd05a825-544c-438a-9ba1-08e63db50b47" providerId="ADAL" clId="{C93C4A5C-67F6-447F-9979-A1EEF99F3828}" dt="2021-02-01T04:17:55.643" v="22" actId="6549"/>
+          <ac:spMkLst>
+            <pc:docMk/>
+            <pc:sldMk cId="1427618944" sldId="553"/>
+            <ac:spMk id="9" creationId="{BFBD3315-263F-4198-BFCC-BA1CE3299DFA}"/>
+          </ac:spMkLst>
+        </pc:spChg>
+        <pc:spChg chg="mod">
+          <ac:chgData name="Zhao Jin" userId="cd05a825-544c-438a-9ba1-08e63db50b47" providerId="ADAL" clId="{C93C4A5C-67F6-447F-9979-A1EEF99F3828}" dt="2021-02-01T04:19:10.410" v="23" actId="13926"/>
+          <ac:spMkLst>
+            <pc:docMk/>
+            <pc:sldMk cId="1427618944" sldId="553"/>
+            <ac:spMk id="84" creationId="{C4E05674-68A2-0D4E-8B47-F7A2C6A6B76F}"/>
+          </ac:spMkLst>
+        </pc:spChg>
+      </pc:sldChg>
+      <pc:sldChg chg="modSp mod">
+        <pc:chgData name="Zhao Jin" userId="cd05a825-544c-438a-9ba1-08e63db50b47" providerId="ADAL" clId="{C93C4A5C-67F6-447F-9979-A1EEF99F3828}" dt="2021-02-01T04:20:45.515" v="24" actId="948"/>
+        <pc:sldMkLst>
+          <pc:docMk/>
+          <pc:sldMk cId="1659983766" sldId="554"/>
+        </pc:sldMkLst>
+        <pc:spChg chg="mod">
+          <ac:chgData name="Zhao Jin" userId="cd05a825-544c-438a-9ba1-08e63db50b47" providerId="ADAL" clId="{C93C4A5C-67F6-447F-9979-A1EEF99F3828}" dt="2021-02-01T04:20:45.515" v="24" actId="948"/>
+          <ac:spMkLst>
+            <pc:docMk/>
+            <pc:sldMk cId="1659983766" sldId="554"/>
+            <ac:spMk id="16" creationId="{00000000-0000-0000-0000-000000000000}"/>
+          </ac:spMkLst>
+        </pc:spChg>
+      </pc:sldChg>
+      <pc:sldChg chg="modSp mod modAnim">
+        <pc:chgData name="Zhao Jin" userId="cd05a825-544c-438a-9ba1-08e63db50b47" providerId="ADAL" clId="{C93C4A5C-67F6-447F-9979-A1EEF99F3828}" dt="2021-02-01T04:34:36.132" v="90" actId="6549"/>
+        <pc:sldMkLst>
+          <pc:docMk/>
+          <pc:sldMk cId="1268238251" sldId="555"/>
+        </pc:sldMkLst>
+        <pc:spChg chg="mod">
+          <ac:chgData name="Zhao Jin" userId="cd05a825-544c-438a-9ba1-08e63db50b47" providerId="ADAL" clId="{C93C4A5C-67F6-447F-9979-A1EEF99F3828}" dt="2021-02-01T04:34:36.132" v="90" actId="6549"/>
+          <ac:spMkLst>
+            <pc:docMk/>
+            <pc:sldMk cId="1268238251" sldId="555"/>
+            <ac:spMk id="11" creationId="{2DB8C0DD-2610-48AA-A2F1-A9AE4DD922BA}"/>
+          </ac:spMkLst>
+        </pc:spChg>
+        <pc:spChg chg="mod">
+          <ac:chgData name="Zhao Jin" userId="cd05a825-544c-438a-9ba1-08e63db50b47" providerId="ADAL" clId="{C93C4A5C-67F6-447F-9979-A1EEF99F3828}" dt="2021-02-01T04:34:23.015" v="77" actId="1076"/>
+          <ac:spMkLst>
+            <pc:docMk/>
+            <pc:sldMk cId="1268238251" sldId="555"/>
+            <ac:spMk id="13" creationId="{972B1E9B-C6E8-4DE8-871E-C214A3D77F45}"/>
+          </ac:spMkLst>
+        </pc:spChg>
+      </pc:sldChg>
+      <pc:sldChg chg="modSp mod">
+        <pc:chgData name="Zhao Jin" userId="cd05a825-544c-438a-9ba1-08e63db50b47" providerId="ADAL" clId="{C93C4A5C-67F6-447F-9979-A1EEF99F3828}" dt="2021-02-01T05:03:22.273" v="184" actId="207"/>
+        <pc:sldMkLst>
+          <pc:docMk/>
+          <pc:sldMk cId="3990513599" sldId="556"/>
+        </pc:sldMkLst>
+        <pc:spChg chg="mod">
+          <ac:chgData name="Zhao Jin" userId="cd05a825-544c-438a-9ba1-08e63db50b47" providerId="ADAL" clId="{C93C4A5C-67F6-447F-9979-A1EEF99F3828}" dt="2021-02-01T05:03:22.273" v="184" actId="207"/>
+          <ac:spMkLst>
+            <pc:docMk/>
+            <pc:sldMk cId="3990513599" sldId="556"/>
+            <ac:spMk id="9" creationId="{279DD0F7-7371-46CC-B55A-367690ADD30F}"/>
+          </ac:spMkLst>
+        </pc:spChg>
+      </pc:sldChg>
+      <pc:sldChg chg="modSp mod">
+        <pc:chgData name="Zhao Jin" userId="cd05a825-544c-438a-9ba1-08e63db50b47" providerId="ADAL" clId="{C93C4A5C-67F6-447F-9979-A1EEF99F3828}" dt="2021-02-01T05:01:40.517" v="151" actId="207"/>
+        <pc:sldMkLst>
+          <pc:docMk/>
+          <pc:sldMk cId="788021743" sldId="557"/>
+        </pc:sldMkLst>
+        <pc:spChg chg="mod">
+          <ac:chgData name="Zhao Jin" userId="cd05a825-544c-438a-9ba1-08e63db50b47" providerId="ADAL" clId="{C93C4A5C-67F6-447F-9979-A1EEF99F3828}" dt="2021-02-01T05:01:40.517" v="151" actId="207"/>
+          <ac:spMkLst>
+            <pc:docMk/>
+            <pc:sldMk cId="788021743" sldId="557"/>
+            <ac:spMk id="9" creationId="{279DD0F7-7371-46CC-B55A-367690ADD30F}"/>
+          </ac:spMkLst>
+        </pc:spChg>
+      </pc:sldChg>
+      <pc:sldChg chg="modSp">
+        <pc:chgData name="Zhao Jin" userId="cd05a825-544c-438a-9ba1-08e63db50b47" providerId="ADAL" clId="{C93C4A5C-67F6-447F-9979-A1EEF99F3828}" dt="2021-02-01T04:53:11.077" v="150" actId="948"/>
+        <pc:sldMkLst>
+          <pc:docMk/>
+          <pc:sldMk cId="2739484572" sldId="562"/>
+        </pc:sldMkLst>
+        <pc:spChg chg="mod">
+          <ac:chgData name="Zhao Jin" userId="cd05a825-544c-438a-9ba1-08e63db50b47" providerId="ADAL" clId="{C93C4A5C-67F6-447F-9979-A1EEF99F3828}" dt="2021-02-01T04:53:11.077" v="150" actId="948"/>
+          <ac:spMkLst>
+            <pc:docMk/>
+            <pc:sldMk cId="2739484572" sldId="562"/>
+            <ac:spMk id="15" creationId="{A66B4139-5576-4648-BE53-3803BE78ABCA}"/>
+          </ac:spMkLst>
+        </pc:spChg>
+      </pc:sldChg>
+      <pc:sldChg chg="modSp add mod">
+        <pc:chgData name="Zhao Jin" userId="cd05a825-544c-438a-9ba1-08e63db50b47" providerId="ADAL" clId="{C93C4A5C-67F6-447F-9979-A1EEF99F3828}" dt="2021-02-01T05:25:43.987" v="1848" actId="1035"/>
+        <pc:sldMkLst>
+          <pc:docMk/>
+          <pc:sldMk cId="243231529" sldId="563"/>
+        </pc:sldMkLst>
+        <pc:spChg chg="mod">
+          <ac:chgData name="Zhao Jin" userId="cd05a825-544c-438a-9ba1-08e63db50b47" providerId="ADAL" clId="{C93C4A5C-67F6-447F-9979-A1EEF99F3828}" dt="2021-02-01T05:25:38.662" v="1831" actId="5793"/>
+          <ac:spMkLst>
+            <pc:docMk/>
+            <pc:sldMk cId="243231529" sldId="563"/>
+            <ac:spMk id="15" creationId="{00000000-0000-0000-0000-000000000000}"/>
+          </ac:spMkLst>
+        </pc:spChg>
+        <pc:graphicFrameChg chg="mod modGraphic">
+          <ac:chgData name="Zhao Jin" userId="cd05a825-544c-438a-9ba1-08e63db50b47" providerId="ADAL" clId="{C93C4A5C-67F6-447F-9979-A1EEF99F3828}" dt="2021-02-01T05:25:43.987" v="1848" actId="1035"/>
+          <ac:graphicFrameMkLst>
+            <pc:docMk/>
+            <pc:sldMk cId="243231529" sldId="563"/>
+            <ac:graphicFrameMk id="5" creationId="{9E742EBA-8F43-4310-AD68-B4660B9ECF59}"/>
+          </ac:graphicFrameMkLst>
+        </pc:graphicFrameChg>
+      </pc:sldChg>
+      <pc:sldChg chg="add del">
+        <pc:chgData name="Zhao Jin" userId="cd05a825-544c-438a-9ba1-08e63db50b47" providerId="ADAL" clId="{C93C4A5C-67F6-447F-9979-A1EEF99F3828}" dt="2021-02-01T05:19:54.514" v="1272"/>
+        <pc:sldMkLst>
+          <pc:docMk/>
+          <pc:sldMk cId="2108247347" sldId="563"/>
+        </pc:sldMkLst>
+      </pc:sldChg>
+      <pc:sldChg chg="add del">
+        <pc:chgData name="Zhao Jin" userId="cd05a825-544c-438a-9ba1-08e63db50b47" providerId="ADAL" clId="{C93C4A5C-67F6-447F-9979-A1EEF99F3828}" dt="2021-02-01T05:20:04.109" v="1274"/>
+        <pc:sldMkLst>
+          <pc:docMk/>
+          <pc:sldMk cId="2783675603" sldId="563"/>
+        </pc:sldMkLst>
+      </pc:sldChg>
+    </pc:docChg>
+  </pc:docChgLst>
 </pc:chgInfo>
 </file>
 
@@ -4103,7 +4389,7 @@
               <a:pPr>
                 <a:defRPr/>
               </a:pPr>
-              <a:t>1/27/2021</a:t>
+              <a:t>2/1/2021</a:t>
             </a:fld>
             <a:endParaRPr lang="en-US" dirty="0"/>
           </a:p>
@@ -5123,6 +5409,244 @@
     <p:extLst>
       <p:ext uri="{BB962C8B-B14F-4D97-AF65-F5344CB8AC3E}">
         <p14:creationId xmlns:p14="http://schemas.microsoft.com/office/powerpoint/2010/main" val="3288152934"/>
+      </p:ext>
+    </p:extLst>
+  </p:cSld>
+  <p:clrMapOvr>
+    <a:masterClrMapping/>
+  </p:clrMapOvr>
+</p:notes>
+</file>
+
+<file path=ppt/notesSlides/notesSlide16.xml><?xml version="1.0" encoding="utf-8"?>
+<p:notes xmlns:a="http://schemas.openxmlformats.org/drawingml/2006/main" xmlns:r="http://schemas.openxmlformats.org/officeDocument/2006/relationships" xmlns:p="http://schemas.openxmlformats.org/presentationml/2006/main">
+  <p:cSld>
+    <p:spTree>
+      <p:nvGrpSpPr>
+        <p:cNvPr id="1" name=""/>
+        <p:cNvGrpSpPr/>
+        <p:nvPr/>
+      </p:nvGrpSpPr>
+      <p:grpSpPr>
+        <a:xfrm>
+          <a:off x="0" y="0"/>
+          <a:ext cx="0" cy="0"/>
+          <a:chOff x="0" y="0"/>
+          <a:chExt cx="0" cy="0"/>
+        </a:xfrm>
+      </p:grpSpPr>
+      <p:sp>
+        <p:nvSpPr>
+          <p:cNvPr id="75778" name="Rectangle 2"/>
+          <p:cNvSpPr>
+            <a:spLocks noGrp="1" noChangeArrowheads="1"/>
+          </p:cNvSpPr>
+          <p:nvPr>
+            <p:ph type="hdr" sz="quarter"/>
+          </p:nvPr>
+        </p:nvSpPr>
+        <p:spPr bwMode="auto">
+          <a:xfrm>
+            <a:off x="0" y="0"/>
+            <a:ext cx="3038786" cy="465341"/>
+          </a:xfrm>
+          <a:noFill/>
+          <a:ln>
+            <a:miter lim="800000"/>
+            <a:headEnd/>
+            <a:tailEnd/>
+          </a:ln>
+        </p:spPr>
+        <p:txBody>
+          <a:bodyPr wrap="square" numCol="1" anchor="t" anchorCtr="0" compatLnSpc="1">
+            <a:prstTxWarp prst="textNoShape">
+              <a:avLst/>
+            </a:prstTxWarp>
+          </a:bodyPr>
+          <a:lstStyle/>
+          <a:p>
+            <a:r>
+              <a:rPr lang="en-US"/>
+              <a:t>CS1010 Programming Methodology</a:t>
+            </a:r>
+          </a:p>
+        </p:txBody>
+      </p:sp>
+      <p:sp>
+        <p:nvSpPr>
+          <p:cNvPr id="75779" name="Rectangle 2"/>
+          <p:cNvSpPr>
+            <a:spLocks noGrp="1" noRot="1" noChangeAspect="1" noChangeArrowheads="1" noTextEdit="1"/>
+          </p:cNvSpPr>
+          <p:nvPr>
+            <p:ph type="sldImg"/>
+          </p:nvPr>
+        </p:nvSpPr>
+        <p:spPr bwMode="auto">
+          <a:xfrm>
+            <a:off x="1182688" y="696913"/>
+            <a:ext cx="4648200" cy="3486150"/>
+          </a:xfrm>
+          <a:noFill/>
+          <a:ln>
+            <a:solidFill>
+              <a:srgbClr val="000000"/>
+            </a:solidFill>
+            <a:miter lim="800000"/>
+            <a:headEnd/>
+            <a:tailEnd/>
+          </a:ln>
+        </p:spPr>
+      </p:sp>
+      <p:sp>
+        <p:nvSpPr>
+          <p:cNvPr id="75780" name="Rectangle 3"/>
+          <p:cNvSpPr>
+            <a:spLocks noGrp="1" noChangeArrowheads="1"/>
+          </p:cNvSpPr>
+          <p:nvPr>
+            <p:ph type="body" idx="1"/>
+          </p:nvPr>
+        </p:nvSpPr>
+        <p:spPr>
+          <a:noFill/>
+          <a:ln w="9525"/>
+        </p:spPr>
+        <p:txBody>
+          <a:bodyPr/>
+          <a:lstStyle/>
+          <a:p>
+            <a:pPr marL="0" indent="0" eaLnBrk="1" hangingPunct="1">
+              <a:buFont typeface="Calibri" pitchFamily="34" charset="0"/>
+              <a:buNone/>
+            </a:pPr>
+            <a:endParaRPr lang="en-US" dirty="0"/>
+          </a:p>
+        </p:txBody>
+      </p:sp>
+    </p:spTree>
+    <p:extLst>
+      <p:ext uri="{BB962C8B-B14F-4D97-AF65-F5344CB8AC3E}">
+        <p14:creationId xmlns:p14="http://schemas.microsoft.com/office/powerpoint/2010/main" val="1097231052"/>
+      </p:ext>
+    </p:extLst>
+  </p:cSld>
+  <p:clrMapOvr>
+    <a:masterClrMapping/>
+  </p:clrMapOvr>
+</p:notes>
+</file>
+
+<file path=ppt/notesSlides/notesSlide17.xml><?xml version="1.0" encoding="utf-8"?>
+<p:notes xmlns:a="http://schemas.openxmlformats.org/drawingml/2006/main" xmlns:r="http://schemas.openxmlformats.org/officeDocument/2006/relationships" xmlns:p="http://schemas.openxmlformats.org/presentationml/2006/main">
+  <p:cSld>
+    <p:spTree>
+      <p:nvGrpSpPr>
+        <p:cNvPr id="1" name=""/>
+        <p:cNvGrpSpPr/>
+        <p:nvPr/>
+      </p:nvGrpSpPr>
+      <p:grpSpPr>
+        <a:xfrm>
+          <a:off x="0" y="0"/>
+          <a:ext cx="0" cy="0"/>
+          <a:chOff x="0" y="0"/>
+          <a:chExt cx="0" cy="0"/>
+        </a:xfrm>
+      </p:grpSpPr>
+      <p:sp>
+        <p:nvSpPr>
+          <p:cNvPr id="75778" name="Rectangle 2"/>
+          <p:cNvSpPr>
+            <a:spLocks noGrp="1" noChangeArrowheads="1"/>
+          </p:cNvSpPr>
+          <p:nvPr>
+            <p:ph type="hdr" sz="quarter"/>
+          </p:nvPr>
+        </p:nvSpPr>
+        <p:spPr bwMode="auto">
+          <a:xfrm>
+            <a:off x="0" y="0"/>
+            <a:ext cx="3038786" cy="465341"/>
+          </a:xfrm>
+          <a:noFill/>
+          <a:ln>
+            <a:miter lim="800000"/>
+            <a:headEnd/>
+            <a:tailEnd/>
+          </a:ln>
+        </p:spPr>
+        <p:txBody>
+          <a:bodyPr wrap="square" numCol="1" anchor="t" anchorCtr="0" compatLnSpc="1">
+            <a:prstTxWarp prst="textNoShape">
+              <a:avLst/>
+            </a:prstTxWarp>
+          </a:bodyPr>
+          <a:lstStyle/>
+          <a:p>
+            <a:r>
+              <a:rPr lang="en-US"/>
+              <a:t>CS1010 Programming Methodology</a:t>
+            </a:r>
+          </a:p>
+        </p:txBody>
+      </p:sp>
+      <p:sp>
+        <p:nvSpPr>
+          <p:cNvPr id="75779" name="Rectangle 2"/>
+          <p:cNvSpPr>
+            <a:spLocks noGrp="1" noRot="1" noChangeAspect="1" noChangeArrowheads="1" noTextEdit="1"/>
+          </p:cNvSpPr>
+          <p:nvPr>
+            <p:ph type="sldImg"/>
+          </p:nvPr>
+        </p:nvSpPr>
+        <p:spPr bwMode="auto">
+          <a:xfrm>
+            <a:off x="1182688" y="696913"/>
+            <a:ext cx="4648200" cy="3486150"/>
+          </a:xfrm>
+          <a:noFill/>
+          <a:ln>
+            <a:solidFill>
+              <a:srgbClr val="000000"/>
+            </a:solidFill>
+            <a:miter lim="800000"/>
+            <a:headEnd/>
+            <a:tailEnd/>
+          </a:ln>
+        </p:spPr>
+      </p:sp>
+      <p:sp>
+        <p:nvSpPr>
+          <p:cNvPr id="75780" name="Rectangle 3"/>
+          <p:cNvSpPr>
+            <a:spLocks noGrp="1" noChangeArrowheads="1"/>
+          </p:cNvSpPr>
+          <p:nvPr>
+            <p:ph type="body" idx="1"/>
+          </p:nvPr>
+        </p:nvSpPr>
+        <p:spPr>
+          <a:noFill/>
+          <a:ln w="9525"/>
+        </p:spPr>
+        <p:txBody>
+          <a:bodyPr/>
+          <a:lstStyle/>
+          <a:p>
+            <a:pPr marL="0" indent="0" eaLnBrk="1" hangingPunct="1">
+              <a:buFont typeface="Calibri" pitchFamily="34" charset="0"/>
+              <a:buNone/>
+            </a:pPr>
+            <a:endParaRPr lang="en-US" dirty="0"/>
+          </a:p>
+        </p:txBody>
+      </p:sp>
+    </p:spTree>
+    <p:extLst>
+      <p:ext uri="{BB962C8B-B14F-4D97-AF65-F5344CB8AC3E}">
+        <p14:creationId xmlns:p14="http://schemas.microsoft.com/office/powerpoint/2010/main" val="1280589867"/>
       </p:ext>
     </p:extLst>
   </p:cSld>
@@ -10550,6 +11074,385 @@
           </a:p>
         </p:txBody>
       </p:sp>
+      <p:sp>
+        <p:nvSpPr>
+          <p:cNvPr id="10" name="[TextBox 14]">
+            <a:extLst>
+              <a:ext uri="{FF2B5EF4-FFF2-40B4-BE49-F238E27FC236}">
+                <a16:creationId xmlns:a16="http://schemas.microsoft.com/office/drawing/2014/main" id="{853A051E-3941-42AF-BD7D-94D3E7AB0C47}"/>
+              </a:ext>
+            </a:extLst>
+          </p:cNvPr>
+          <p:cNvSpPr txBox="1"/>
+          <p:nvPr/>
+        </p:nvSpPr>
+        <p:spPr>
+          <a:xfrm>
+            <a:off x="5272038" y="2025651"/>
+            <a:ext cx="2706353" cy="2800767"/>
+          </a:xfrm>
+          <a:prstGeom prst="rect">
+            <a:avLst/>
+          </a:prstGeom>
+        </p:spPr>
+        <p:style>
+          <a:lnRef idx="2">
+            <a:schemeClr val="accent6"/>
+          </a:lnRef>
+          <a:fillRef idx="1">
+            <a:schemeClr val="lt1"/>
+          </a:fillRef>
+          <a:effectRef idx="0">
+            <a:schemeClr val="accent6"/>
+          </a:effectRef>
+          <a:fontRef idx="minor">
+            <a:schemeClr val="dk1"/>
+          </a:fontRef>
+        </p:style>
+        <p:txBody>
+          <a:bodyPr wrap="square" rtlCol="0">
+            <a:spAutoFit/>
+          </a:bodyPr>
+          <a:lstStyle/>
+          <a:p>
+            <a:pPr marL="0" lvl="1">
+              <a:spcBef>
+                <a:spcPts val="0"/>
+              </a:spcBef>
+              <a:buClr>
+                <a:schemeClr val="accent2"/>
+              </a:buClr>
+              <a:buSzPct val="120000"/>
+              <a:buFont typeface="Wingdings" pitchFamily="2" charset="2"/>
+              <a:buNone/>
+              <a:tabLst>
+                <a:tab pos="344488" algn="l"/>
+                <a:tab pos="688975" algn="l"/>
+              </a:tabLst>
+              <a:defRPr/>
+            </a:pPr>
+            <a:r>
+              <a:rPr lang="en-GB" sz="1600" b="1" dirty="0">
+                <a:solidFill>
+                  <a:schemeClr val="tx1"/>
+                </a:solidFill>
+                <a:latin typeface="Courier New" pitchFamily="49" charset="0"/>
+              </a:rPr>
+              <a:t>…</a:t>
+            </a:r>
+            <a:br>
+              <a:rPr lang="en-GB" sz="1600" b="1" dirty="0">
+                <a:solidFill>
+                  <a:srgbClr val="C00000"/>
+                </a:solidFill>
+                <a:latin typeface="Courier New" pitchFamily="49" charset="0"/>
+              </a:rPr>
+            </a:br>
+            <a:r>
+              <a:rPr lang="en-GB" sz="1600" b="1" dirty="0">
+                <a:solidFill>
+                  <a:srgbClr val="C00000"/>
+                </a:solidFill>
+                <a:latin typeface="Courier New" pitchFamily="49" charset="0"/>
+              </a:rPr>
+              <a:t>	</a:t>
+            </a:r>
+            <a:r>
+              <a:rPr lang="en-GB" sz="1600" b="1" dirty="0">
+                <a:solidFill>
+                  <a:srgbClr val="0000FF"/>
+                </a:solidFill>
+                <a:latin typeface="Courier New" pitchFamily="49" charset="0"/>
+              </a:rPr>
+              <a:t>long</a:t>
+            </a:r>
+            <a:r>
+              <a:rPr lang="en-GB" sz="1600" b="1" dirty="0">
+                <a:latin typeface="Courier New" pitchFamily="49" charset="0"/>
+              </a:rPr>
+              <a:t> max;</a:t>
+            </a:r>
+          </a:p>
+          <a:p>
+            <a:pPr marL="0" lvl="1">
+              <a:spcBef>
+                <a:spcPts val="0"/>
+              </a:spcBef>
+              <a:buClr>
+                <a:schemeClr val="accent2"/>
+              </a:buClr>
+              <a:buSzPct val="120000"/>
+              <a:buFont typeface="Wingdings" pitchFamily="2" charset="2"/>
+              <a:buNone/>
+              <a:tabLst>
+                <a:tab pos="344488" algn="l"/>
+                <a:tab pos="688975" algn="l"/>
+              </a:tabLst>
+              <a:defRPr/>
+            </a:pPr>
+            <a:br>
+              <a:rPr lang="en-GB" sz="1600" b="1" dirty="0">
+                <a:latin typeface="Courier New" pitchFamily="49" charset="0"/>
+              </a:rPr>
+            </a:br>
+            <a:r>
+              <a:rPr lang="en-GB" sz="1600" b="1" dirty="0">
+                <a:latin typeface="Courier New" pitchFamily="49" charset="0"/>
+              </a:rPr>
+              <a:t>	</a:t>
+            </a:r>
+            <a:r>
+              <a:rPr lang="en-GB" sz="1600" b="1" dirty="0">
+                <a:solidFill>
+                  <a:srgbClr val="0000FF"/>
+                </a:solidFill>
+                <a:latin typeface="Courier New" pitchFamily="49" charset="0"/>
+              </a:rPr>
+              <a:t>if</a:t>
+            </a:r>
+            <a:r>
+              <a:rPr lang="en-GB" sz="1600" b="1" dirty="0">
+                <a:latin typeface="Courier New" pitchFamily="49" charset="0"/>
+              </a:rPr>
+              <a:t> (num1 &gt; num2){</a:t>
+            </a:r>
+            <a:br>
+              <a:rPr lang="en-GB" sz="1600" b="1" dirty="0">
+                <a:latin typeface="Courier New" pitchFamily="49" charset="0"/>
+              </a:rPr>
+            </a:br>
+            <a:r>
+              <a:rPr lang="en-GB" sz="1600" b="1" dirty="0">
+                <a:latin typeface="Courier New" pitchFamily="49" charset="0"/>
+              </a:rPr>
+              <a:t>		max = num1;</a:t>
+            </a:r>
+          </a:p>
+          <a:p>
+            <a:pPr marL="0" lvl="1">
+              <a:spcBef>
+                <a:spcPts val="0"/>
+              </a:spcBef>
+              <a:buClr>
+                <a:schemeClr val="accent2"/>
+              </a:buClr>
+              <a:buSzPct val="120000"/>
+              <a:buFont typeface="Wingdings" pitchFamily="2" charset="2"/>
+              <a:buNone/>
+              <a:tabLst>
+                <a:tab pos="344488" algn="l"/>
+                <a:tab pos="688975" algn="l"/>
+              </a:tabLst>
+              <a:defRPr/>
+            </a:pPr>
+            <a:r>
+              <a:rPr lang="en-GB" sz="1600" b="1" dirty="0">
+                <a:latin typeface="Courier New" pitchFamily="49" charset="0"/>
+              </a:rPr>
+              <a:t>   } </a:t>
+            </a:r>
+            <a:r>
+              <a:rPr lang="en-GB" sz="1600" b="1" dirty="0">
+                <a:solidFill>
+                  <a:srgbClr val="0000FF"/>
+                </a:solidFill>
+                <a:latin typeface="Courier New" pitchFamily="49" charset="0"/>
+              </a:rPr>
+              <a:t>else</a:t>
+            </a:r>
+            <a:r>
+              <a:rPr lang="en-GB" sz="1600" b="1" dirty="0">
+                <a:latin typeface="Courier New" pitchFamily="49" charset="0"/>
+              </a:rPr>
+              <a:t> {</a:t>
+            </a:r>
+          </a:p>
+          <a:p>
+            <a:pPr marL="0" lvl="1">
+              <a:spcBef>
+                <a:spcPts val="0"/>
+              </a:spcBef>
+              <a:buClr>
+                <a:schemeClr val="accent2"/>
+              </a:buClr>
+              <a:buSzPct val="120000"/>
+              <a:buFont typeface="Wingdings" pitchFamily="2" charset="2"/>
+              <a:buNone/>
+              <a:tabLst>
+                <a:tab pos="344488" algn="l"/>
+                <a:tab pos="688975" algn="l"/>
+              </a:tabLst>
+              <a:defRPr/>
+            </a:pPr>
+            <a:r>
+              <a:rPr lang="en-GB" sz="1600" b="1" dirty="0">
+                <a:latin typeface="Courier New" pitchFamily="49" charset="0"/>
+              </a:rPr>
+              <a:t>      max = num2;</a:t>
+            </a:r>
+          </a:p>
+          <a:p>
+            <a:pPr marL="0" lvl="1">
+              <a:spcBef>
+                <a:spcPts val="0"/>
+              </a:spcBef>
+              <a:buClr>
+                <a:schemeClr val="accent2"/>
+              </a:buClr>
+              <a:buSzPct val="120000"/>
+              <a:buFont typeface="Wingdings" pitchFamily="2" charset="2"/>
+              <a:buNone/>
+              <a:tabLst>
+                <a:tab pos="344488" algn="l"/>
+                <a:tab pos="688975" algn="l"/>
+              </a:tabLst>
+              <a:defRPr/>
+            </a:pPr>
+            <a:r>
+              <a:rPr lang="en-GB" sz="1600" b="1" dirty="0">
+                <a:latin typeface="Courier New" pitchFamily="49" charset="0"/>
+              </a:rPr>
+              <a:t>   }</a:t>
+            </a:r>
+          </a:p>
+          <a:p>
+            <a:pPr marL="0" lvl="1">
+              <a:spcBef>
+                <a:spcPts val="0"/>
+              </a:spcBef>
+              <a:buClr>
+                <a:schemeClr val="accent2"/>
+              </a:buClr>
+              <a:buSzPct val="120000"/>
+              <a:buFont typeface="Wingdings" pitchFamily="2" charset="2"/>
+              <a:buNone/>
+              <a:tabLst>
+                <a:tab pos="344488" algn="l"/>
+                <a:tab pos="688975" algn="l"/>
+              </a:tabLst>
+              <a:defRPr/>
+            </a:pPr>
+            <a:endParaRPr lang="en-GB" sz="1600" b="1" dirty="0">
+              <a:latin typeface="Courier New" pitchFamily="49" charset="0"/>
+            </a:endParaRPr>
+          </a:p>
+          <a:p>
+            <a:pPr marL="0" lvl="1">
+              <a:spcBef>
+                <a:spcPts val="0"/>
+              </a:spcBef>
+              <a:buClr>
+                <a:schemeClr val="accent2"/>
+              </a:buClr>
+              <a:buSzPct val="120000"/>
+              <a:buFont typeface="Wingdings" pitchFamily="2" charset="2"/>
+              <a:buNone/>
+              <a:tabLst>
+                <a:tab pos="344488" algn="l"/>
+                <a:tab pos="688975" algn="l"/>
+              </a:tabLst>
+              <a:defRPr/>
+            </a:pPr>
+            <a:r>
+              <a:rPr lang="en-GB" sz="1600" b="1" dirty="0">
+                <a:latin typeface="Courier New" pitchFamily="49" charset="0"/>
+              </a:rPr>
+              <a:t>   </a:t>
+            </a:r>
+            <a:r>
+              <a:rPr lang="en-GB" sz="1600" b="1" dirty="0">
+                <a:solidFill>
+                  <a:srgbClr val="0000FF"/>
+                </a:solidFill>
+                <a:latin typeface="Courier New" pitchFamily="49" charset="0"/>
+              </a:rPr>
+              <a:t>return</a:t>
+            </a:r>
+            <a:r>
+              <a:rPr lang="en-GB" sz="1600" b="1" dirty="0">
+                <a:latin typeface="Courier New" pitchFamily="49" charset="0"/>
+              </a:rPr>
+              <a:t> max;</a:t>
+            </a:r>
+          </a:p>
+          <a:p>
+            <a:pPr marL="0" lvl="1">
+              <a:spcBef>
+                <a:spcPts val="0"/>
+              </a:spcBef>
+              <a:buClr>
+                <a:schemeClr val="accent2"/>
+              </a:buClr>
+              <a:buSzPct val="120000"/>
+              <a:buFont typeface="Wingdings" pitchFamily="2" charset="2"/>
+              <a:buNone/>
+              <a:tabLst>
+                <a:tab pos="344488" algn="l"/>
+                <a:tab pos="688975" algn="l"/>
+              </a:tabLst>
+              <a:defRPr/>
+            </a:pPr>
+            <a:r>
+              <a:rPr lang="en-GB" sz="1600" b="1" dirty="0">
+                <a:latin typeface="Courier New" pitchFamily="49" charset="0"/>
+              </a:rPr>
+              <a:t>…</a:t>
+            </a:r>
+          </a:p>
+        </p:txBody>
+      </p:sp>
+      <p:sp>
+        <p:nvSpPr>
+          <p:cNvPr id="2" name="Rectangle 1">
+            <a:extLst>
+              <a:ext uri="{FF2B5EF4-FFF2-40B4-BE49-F238E27FC236}">
+                <a16:creationId xmlns:a16="http://schemas.microsoft.com/office/drawing/2014/main" id="{0BCE9ED3-7444-49E9-AF59-592D998E5189}"/>
+              </a:ext>
+            </a:extLst>
+          </p:cNvPr>
+          <p:cNvSpPr/>
+          <p:nvPr/>
+        </p:nvSpPr>
+        <p:spPr>
+          <a:xfrm>
+            <a:off x="5164853" y="1879042"/>
+            <a:ext cx="3074795" cy="3147964"/>
+          </a:xfrm>
+          <a:prstGeom prst="rect">
+            <a:avLst/>
+          </a:prstGeom>
+          <a:solidFill>
+            <a:schemeClr val="bg1"/>
+          </a:solidFill>
+          <a:ln>
+            <a:noFill/>
+          </a:ln>
+        </p:spPr>
+        <p:style>
+          <a:lnRef idx="2">
+            <a:schemeClr val="accent1">
+              <a:shade val="50000"/>
+            </a:schemeClr>
+          </a:lnRef>
+          <a:fillRef idx="1">
+            <a:schemeClr val="accent1"/>
+          </a:fillRef>
+          <a:effectRef idx="0">
+            <a:schemeClr val="accent1"/>
+          </a:effectRef>
+          <a:fontRef idx="minor">
+            <a:schemeClr val="lt1"/>
+          </a:fontRef>
+        </p:style>
+        <p:txBody>
+          <a:bodyPr rtlCol="0" anchor="ctr"/>
+          <a:lstStyle/>
+          <a:p>
+            <a:pPr algn="ctr"/>
+            <a:endParaRPr lang="en-US" dirty="0"/>
+          </a:p>
+        </p:txBody>
+      </p:sp>
     </p:spTree>
     <p:extLst>
       <p:ext uri="{BB962C8B-B14F-4D97-AF65-F5344CB8AC3E}">
@@ -10563,6 +11466,84 @@
   <p:transition>
     <p:fade/>
   </p:transition>
+  <p:timing>
+    <p:tnLst>
+      <p:par>
+        <p:cTn id="1" dur="indefinite" restart="never" nodeType="tmRoot">
+          <p:childTnLst>
+            <p:seq concurrent="1" nextAc="seek">
+              <p:cTn id="2" dur="indefinite" nodeType="mainSeq">
+                <p:childTnLst>
+                  <p:par>
+                    <p:cTn id="3" fill="hold">
+                      <p:stCondLst>
+                        <p:cond delay="indefinite"/>
+                      </p:stCondLst>
+                      <p:childTnLst>
+                        <p:par>
+                          <p:cTn id="4" fill="hold">
+                            <p:stCondLst>
+                              <p:cond delay="0"/>
+                            </p:stCondLst>
+                            <p:childTnLst>
+                              <p:par>
+                                <p:cTn id="5" presetID="1" presetClass="exit" presetSubtype="0" fill="hold" grpId="0" nodeType="clickEffect">
+                                  <p:stCondLst>
+                                    <p:cond delay="0"/>
+                                  </p:stCondLst>
+                                  <p:childTnLst>
+                                    <p:set>
+                                      <p:cBhvr>
+                                        <p:cTn id="6" dur="1" fill="hold">
+                                          <p:stCondLst>
+                                            <p:cond delay="0"/>
+                                          </p:stCondLst>
+                                        </p:cTn>
+                                        <p:tgtEl>
+                                          <p:spTgt spid="2"/>
+                                        </p:tgtEl>
+                                        <p:attrNameLst>
+                                          <p:attrName>style.visibility</p:attrName>
+                                        </p:attrNameLst>
+                                      </p:cBhvr>
+                                      <p:to>
+                                        <p:strVal val="hidden"/>
+                                      </p:to>
+                                    </p:set>
+                                  </p:childTnLst>
+                                </p:cTn>
+                              </p:par>
+                            </p:childTnLst>
+                          </p:cTn>
+                        </p:par>
+                      </p:childTnLst>
+                    </p:cTn>
+                  </p:par>
+                </p:childTnLst>
+              </p:cTn>
+              <p:prevCondLst>
+                <p:cond evt="onPrev" delay="0">
+                  <p:tgtEl>
+                    <p:sldTgt/>
+                  </p:tgtEl>
+                </p:cond>
+              </p:prevCondLst>
+              <p:nextCondLst>
+                <p:cond evt="onNext" delay="0">
+                  <p:tgtEl>
+                    <p:sldTgt/>
+                  </p:tgtEl>
+                </p:cond>
+              </p:nextCondLst>
+            </p:seq>
+          </p:childTnLst>
+        </p:cTn>
+      </p:par>
+    </p:tnLst>
+    <p:bldLst>
+      <p:bldP spid="2" grpId="0" animBg="1"/>
+    </p:bldLst>
+  </p:timing>
 </p:sld>
 </file>
 
@@ -11607,7 +12588,7 @@
         <p:spPr>
           <a:xfrm>
             <a:off x="991439" y="5269688"/>
-            <a:ext cx="6936709" cy="327782"/>
+            <a:ext cx="6936709" cy="369332"/>
           </a:xfrm>
           <a:prstGeom prst="rect">
             <a:avLst/>
@@ -11637,9 +12618,6 @@
           <a:lstStyle/>
           <a:p>
             <a:pPr marL="176213" lvl="1">
-              <a:lnSpc>
-                <a:spcPct val="80000"/>
-              </a:lnSpc>
               <a:buFont typeface="Wingdings" pitchFamily="2" charset="2"/>
               <a:buNone/>
               <a:defRPr/>
@@ -12234,7 +13212,7 @@
           <p:nvPr>
             <p:extLst>
               <p:ext uri="{D42A27DB-BD31-4B8C-83A1-F6EECF244321}">
-                <p14:modId xmlns:p14="http://schemas.microsoft.com/office/powerpoint/2010/main" val="2013963686"/>
+                <p14:modId xmlns:p14="http://schemas.microsoft.com/office/powerpoint/2010/main" val="3203477160"/>
               </p:ext>
             </p:extLst>
           </p:nvPr>
@@ -13189,7 +14167,27 @@
                 <a:latin typeface="Courier New" panose="02070309020205020404" pitchFamily="49" charset="0"/>
                 <a:cs typeface="Courier New" panose="02070309020205020404" pitchFamily="49" charset="0"/>
               </a:rPr>
-              <a:t> (score &gt;= 8) {</a:t>
+              <a:t> (score &gt;= </a:t>
+            </a:r>
+            <a:r>
+              <a:rPr lang="en-US" b="1" dirty="0">
+                <a:solidFill>
+                  <a:srgbClr val="C00000"/>
+                </a:solidFill>
+                <a:latin typeface="Courier New" panose="02070309020205020404" pitchFamily="49" charset="0"/>
+                <a:cs typeface="Courier New" panose="02070309020205020404" pitchFamily="49" charset="0"/>
+              </a:rPr>
+              <a:t>8</a:t>
+            </a:r>
+            <a:r>
+              <a:rPr lang="en-US" b="1" dirty="0">
+                <a:solidFill>
+                  <a:schemeClr val="tx1"/>
+                </a:solidFill>
+                <a:latin typeface="Courier New" panose="02070309020205020404" pitchFamily="49" charset="0"/>
+                <a:cs typeface="Courier New" panose="02070309020205020404" pitchFamily="49" charset="0"/>
+              </a:rPr>
+              <a:t>) {</a:t>
             </a:r>
           </a:p>
           <a:p>
@@ -13292,7 +14290,27 @@
                 <a:latin typeface="Courier New" panose="02070309020205020404" pitchFamily="49" charset="0"/>
                 <a:cs typeface="Courier New" panose="02070309020205020404" pitchFamily="49" charset="0"/>
               </a:rPr>
-              <a:t> (score &gt;= 5) {</a:t>
+              <a:t> (score &gt;= </a:t>
+            </a:r>
+            <a:r>
+              <a:rPr lang="en-US" b="1" dirty="0">
+                <a:solidFill>
+                  <a:srgbClr val="C00000"/>
+                </a:solidFill>
+                <a:latin typeface="Courier New" panose="02070309020205020404" pitchFamily="49" charset="0"/>
+                <a:cs typeface="Courier New" panose="02070309020205020404" pitchFamily="49" charset="0"/>
+              </a:rPr>
+              <a:t>5</a:t>
+            </a:r>
+            <a:r>
+              <a:rPr lang="en-US" b="1" dirty="0">
+                <a:solidFill>
+                  <a:schemeClr val="tx1"/>
+                </a:solidFill>
+                <a:latin typeface="Courier New" panose="02070309020205020404" pitchFamily="49" charset="0"/>
+                <a:cs typeface="Courier New" panose="02070309020205020404" pitchFamily="49" charset="0"/>
+              </a:rPr>
+              <a:t>) {</a:t>
             </a:r>
           </a:p>
           <a:p>
@@ -13395,7 +14413,27 @@
                 <a:latin typeface="Courier New" panose="02070309020205020404" pitchFamily="49" charset="0"/>
                 <a:cs typeface="Courier New" panose="02070309020205020404" pitchFamily="49" charset="0"/>
               </a:rPr>
-              <a:t> (score &gt;= 3) {</a:t>
+              <a:t> (score &gt;= </a:t>
+            </a:r>
+            <a:r>
+              <a:rPr lang="en-US" b="1" dirty="0">
+                <a:solidFill>
+                  <a:srgbClr val="C00000"/>
+                </a:solidFill>
+                <a:latin typeface="Courier New" panose="02070309020205020404" pitchFamily="49" charset="0"/>
+                <a:cs typeface="Courier New" panose="02070309020205020404" pitchFamily="49" charset="0"/>
+              </a:rPr>
+              <a:t>3</a:t>
+            </a:r>
+            <a:r>
+              <a:rPr lang="en-US" b="1" dirty="0">
+                <a:solidFill>
+                  <a:schemeClr val="tx1"/>
+                </a:solidFill>
+                <a:latin typeface="Courier New" panose="02070309020205020404" pitchFamily="49" charset="0"/>
+                <a:cs typeface="Courier New" panose="02070309020205020404" pitchFamily="49" charset="0"/>
+              </a:rPr>
+              <a:t>) {</a:t>
             </a:r>
           </a:p>
           <a:p>
@@ -14086,7 +15124,27 @@
                 <a:latin typeface="Courier New" panose="02070309020205020404" pitchFamily="49" charset="0"/>
                 <a:cs typeface="Courier New" panose="02070309020205020404" pitchFamily="49" charset="0"/>
               </a:rPr>
-              <a:t>    cs1010_println_string("A");</a:t>
+              <a:t>    cs1010_println_string(</a:t>
+            </a:r>
+            <a:r>
+              <a:rPr lang="en-US" b="1" dirty="0">
+                <a:solidFill>
+                  <a:srgbClr val="006600"/>
+                </a:solidFill>
+                <a:latin typeface="Courier New" panose="02070309020205020404" pitchFamily="49" charset="0"/>
+                <a:cs typeface="Courier New" panose="02070309020205020404" pitchFamily="49" charset="0"/>
+              </a:rPr>
+              <a:t>"A"</a:t>
+            </a:r>
+            <a:r>
+              <a:rPr lang="en-US" b="1" dirty="0">
+                <a:solidFill>
+                  <a:schemeClr val="tx1"/>
+                </a:solidFill>
+                <a:latin typeface="Courier New" panose="02070309020205020404" pitchFamily="49" charset="0"/>
+                <a:cs typeface="Courier New" panose="02070309020205020404" pitchFamily="49" charset="0"/>
+              </a:rPr>
+              <a:t>);</a:t>
             </a:r>
           </a:p>
           <a:p>
@@ -14209,7 +15267,27 @@
                 <a:latin typeface="Courier New" panose="02070309020205020404" pitchFamily="49" charset="0"/>
                 <a:cs typeface="Courier New" panose="02070309020205020404" pitchFamily="49" charset="0"/>
               </a:rPr>
-              <a:t>      cs1010_println_string("B");</a:t>
+              <a:t>      cs1010_println_string(</a:t>
+            </a:r>
+            <a:r>
+              <a:rPr lang="en-US" b="1" dirty="0">
+                <a:solidFill>
+                  <a:srgbClr val="006600"/>
+                </a:solidFill>
+                <a:latin typeface="Courier New" panose="02070309020205020404" pitchFamily="49" charset="0"/>
+                <a:cs typeface="Courier New" panose="02070309020205020404" pitchFamily="49" charset="0"/>
+              </a:rPr>
+              <a:t>"B"</a:t>
+            </a:r>
+            <a:r>
+              <a:rPr lang="en-US" b="1" dirty="0">
+                <a:solidFill>
+                  <a:schemeClr val="tx1"/>
+                </a:solidFill>
+                <a:latin typeface="Courier New" panose="02070309020205020404" pitchFamily="49" charset="0"/>
+                <a:cs typeface="Courier New" panose="02070309020205020404" pitchFamily="49" charset="0"/>
+              </a:rPr>
+              <a:t>);</a:t>
             </a:r>
           </a:p>
           <a:p>
@@ -14332,7 +15410,27 @@
                 <a:latin typeface="Courier New" panose="02070309020205020404" pitchFamily="49" charset="0"/>
                 <a:cs typeface="Courier New" panose="02070309020205020404" pitchFamily="49" charset="0"/>
               </a:rPr>
-              <a:t>        cs1010_println_string("C");</a:t>
+              <a:t>        cs1010_println_string(</a:t>
+            </a:r>
+            <a:r>
+              <a:rPr lang="en-US" b="1" dirty="0">
+                <a:solidFill>
+                  <a:srgbClr val="006600"/>
+                </a:solidFill>
+                <a:latin typeface="Courier New" panose="02070309020205020404" pitchFamily="49" charset="0"/>
+                <a:cs typeface="Courier New" panose="02070309020205020404" pitchFamily="49" charset="0"/>
+              </a:rPr>
+              <a:t>"C"</a:t>
+            </a:r>
+            <a:r>
+              <a:rPr lang="en-US" b="1" dirty="0">
+                <a:solidFill>
+                  <a:schemeClr val="tx1"/>
+                </a:solidFill>
+                <a:latin typeface="Courier New" panose="02070309020205020404" pitchFamily="49" charset="0"/>
+                <a:cs typeface="Courier New" panose="02070309020205020404" pitchFamily="49" charset="0"/>
+              </a:rPr>
+              <a:t>);</a:t>
             </a:r>
           </a:p>
           <a:p>
@@ -14394,7 +15492,27 @@
                 <a:latin typeface="Courier New" panose="02070309020205020404" pitchFamily="49" charset="0"/>
                 <a:cs typeface="Courier New" panose="02070309020205020404" pitchFamily="49" charset="0"/>
               </a:rPr>
-              <a:t>        cs1010_println_string("D");</a:t>
+              <a:t>        cs1010_println_string(</a:t>
+            </a:r>
+            <a:r>
+              <a:rPr lang="en-US" b="1" dirty="0">
+                <a:solidFill>
+                  <a:srgbClr val="006600"/>
+                </a:solidFill>
+                <a:latin typeface="Courier New" panose="02070309020205020404" pitchFamily="49" charset="0"/>
+                <a:cs typeface="Courier New" panose="02070309020205020404" pitchFamily="49" charset="0"/>
+              </a:rPr>
+              <a:t>"D"</a:t>
+            </a:r>
+            <a:r>
+              <a:rPr lang="en-US" b="1" dirty="0">
+                <a:solidFill>
+                  <a:schemeClr val="tx1"/>
+                </a:solidFill>
+                <a:latin typeface="Courier New" panose="02070309020205020404" pitchFamily="49" charset="0"/>
+                <a:cs typeface="Courier New" panose="02070309020205020404" pitchFamily="49" charset="0"/>
+              </a:rPr>
+              <a:t>);</a:t>
             </a:r>
           </a:p>
           <a:p>
@@ -15640,6 +16758,2911 @@
     <p:extLst>
       <p:ext uri="{BB962C8B-B14F-4D97-AF65-F5344CB8AC3E}">
         <p14:creationId xmlns:p14="http://schemas.microsoft.com/office/powerpoint/2010/main" val="686532275"/>
+      </p:ext>
+    </p:extLst>
+  </p:cSld>
+  <p:clrMapOvr>
+    <a:masterClrMapping/>
+  </p:clrMapOvr>
+  <p:transition>
+    <p:fade/>
+  </p:transition>
+</p:sld>
+</file>
+
+<file path=ppt/slides/slide16.xml><?xml version="1.0" encoding="utf-8"?>
+<p:sld xmlns:a="http://schemas.openxmlformats.org/drawingml/2006/main" xmlns:r="http://schemas.openxmlformats.org/officeDocument/2006/relationships" xmlns:p="http://schemas.openxmlformats.org/presentationml/2006/main">
+  <p:cSld>
+    <p:spTree>
+      <p:nvGrpSpPr>
+        <p:cNvPr id="1" name=""/>
+        <p:cNvGrpSpPr/>
+        <p:nvPr/>
+      </p:nvGrpSpPr>
+      <p:grpSpPr>
+        <a:xfrm>
+          <a:off x="0" y="0"/>
+          <a:ext cx="0" cy="0"/>
+          <a:chOff x="0" y="0"/>
+          <a:chExt cx="0" cy="0"/>
+        </a:xfrm>
+      </p:grpSpPr>
+      <p:sp>
+        <p:nvSpPr>
+          <p:cNvPr id="25602" name="Rectangle 2"/>
+          <p:cNvSpPr>
+            <a:spLocks noGrp="1" noChangeArrowheads="1"/>
+          </p:cNvSpPr>
+          <p:nvPr>
+            <p:ph type="title"/>
+          </p:nvPr>
+        </p:nvSpPr>
+        <p:spPr>
+          <a:xfrm>
+            <a:off x="533400" y="457200"/>
+            <a:ext cx="8403566" cy="685800"/>
+          </a:xfrm>
+        </p:spPr>
+        <p:txBody>
+          <a:bodyPr>
+            <a:normAutofit fontScale="90000"/>
+          </a:bodyPr>
+          <a:lstStyle/>
+          <a:p>
+            <a:pPr eaLnBrk="1" hangingPunct="1"/>
+            <a:r>
+              <a:rPr lang="en-GB" dirty="0">
+                <a:solidFill>
+                  <a:srgbClr val="0000FF"/>
+                </a:solidFill>
+              </a:rPr>
+              <a:t>Ex#1: CS1010 Schedule</a:t>
+            </a:r>
+            <a:endParaRPr lang="en-GB" sz="3100" dirty="0">
+              <a:solidFill>
+                <a:srgbClr val="0000FF"/>
+              </a:solidFill>
+            </a:endParaRPr>
+          </a:p>
+        </p:txBody>
+      </p:sp>
+      <p:sp>
+        <p:nvSpPr>
+          <p:cNvPr id="9" name="Slide Number Placeholder 8"/>
+          <p:cNvSpPr>
+            <a:spLocks noGrp="1"/>
+          </p:cNvSpPr>
+          <p:nvPr>
+            <p:ph type="sldNum" sz="quarter" idx="12"/>
+          </p:nvPr>
+        </p:nvSpPr>
+        <p:spPr/>
+        <p:txBody>
+          <a:bodyPr>
+            <a:normAutofit/>
+          </a:bodyPr>
+          <a:lstStyle/>
+          <a:p>
+            <a:pPr>
+              <a:defRPr/>
+            </a:pPr>
+            <a:r>
+              <a:rPr lang="en-US" dirty="0"/>
+              <a:t>Week3 </a:t>
+            </a:r>
+            <a:r>
+              <a:rPr dirty="0"/>
+              <a:t>- </a:t>
+            </a:r>
+            <a:fld id="{24D17162-63A3-49DC-92B1-933428BCC85F}" type="slidenum">
+              <a:rPr smtClean="0"/>
+              <a:pPr>
+                <a:defRPr/>
+              </a:pPr>
+              <a:t>16</a:t>
+            </a:fld>
+            <a:endParaRPr dirty="0"/>
+          </a:p>
+        </p:txBody>
+      </p:sp>
+      <p:sp>
+        <p:nvSpPr>
+          <p:cNvPr id="14" name="[Date Placeholder 3]"/>
+          <p:cNvSpPr>
+            <a:spLocks noGrp="1"/>
+          </p:cNvSpPr>
+          <p:nvPr>
+            <p:ph type="dt" sz="half" idx="10"/>
+          </p:nvPr>
+        </p:nvSpPr>
+        <p:spPr>
+          <a:xfrm>
+            <a:off x="457200" y="18288"/>
+            <a:ext cx="2895600" cy="329184"/>
+          </a:xfrm>
+        </p:spPr>
+        <p:txBody>
+          <a:bodyPr/>
+          <a:lstStyle/>
+          <a:p>
+            <a:pPr>
+              <a:defRPr/>
+            </a:pPr>
+            <a:r>
+              <a:rPr lang="en-US" dirty="0"/>
+              <a:t>© NUS</a:t>
+            </a:r>
+          </a:p>
+        </p:txBody>
+      </p:sp>
+      <p:sp>
+        <p:nvSpPr>
+          <p:cNvPr id="15" name="HighlightTextShape201406241503265130"/>
+          <p:cNvSpPr>
+            <a:spLocks noChangeArrowheads="1"/>
+          </p:cNvSpPr>
+          <p:nvPr/>
+        </p:nvSpPr>
+        <p:spPr bwMode="auto">
+          <a:xfrm>
+            <a:off x="573206" y="1219201"/>
+            <a:ext cx="8363760" cy="1327230"/>
+          </a:xfrm>
+          <a:prstGeom prst="rect">
+            <a:avLst/>
+          </a:prstGeom>
+          <a:noFill/>
+          <a:ln w="9525">
+            <a:noFill/>
+            <a:miter lim="800000"/>
+            <a:headEnd/>
+            <a:tailEnd/>
+          </a:ln>
+        </p:spPr>
+        <p:txBody>
+          <a:bodyPr/>
+          <a:lstStyle/>
+          <a:p>
+            <a:pPr marL="342900" indent="-342900">
+              <a:spcBef>
+                <a:spcPts val="1200"/>
+              </a:spcBef>
+              <a:buClr>
+                <a:schemeClr val="accent4">
+                  <a:lumMod val="60000"/>
+                  <a:lumOff val="40000"/>
+                </a:schemeClr>
+              </a:buClr>
+              <a:buSzPct val="75000"/>
+              <a:buFont typeface="Wingdings" pitchFamily="2" charset="2"/>
+              <a:buChar char="n"/>
+            </a:pPr>
+            <a:r>
+              <a:rPr lang="en-US" sz="2400" dirty="0"/>
+              <a:t>Problem: Print the CS1010 schedule based on </a:t>
+            </a:r>
+            <a:r>
+              <a:rPr lang="en-US" sz="2400" dirty="0">
+                <a:solidFill>
+                  <a:srgbClr val="0000FF"/>
+                </a:solidFill>
+              </a:rPr>
+              <a:t>day </a:t>
+            </a:r>
+            <a:r>
+              <a:rPr lang="en-US" sz="2400" dirty="0"/>
+              <a:t>(1/2/3/4/5) and </a:t>
+            </a:r>
+            <a:r>
+              <a:rPr lang="en-US" sz="2400" dirty="0">
+                <a:solidFill>
+                  <a:srgbClr val="0000FF"/>
+                </a:solidFill>
+              </a:rPr>
+              <a:t>time </a:t>
+            </a:r>
+            <a:r>
+              <a:rPr lang="en-US" sz="2400" dirty="0"/>
+              <a:t>(1000/1100/…)</a:t>
+            </a:r>
+          </a:p>
+          <a:p>
+            <a:pPr marL="800100" lvl="1" indent="-342900">
+              <a:spcBef>
+                <a:spcPts val="1200"/>
+              </a:spcBef>
+              <a:buClr>
+                <a:schemeClr val="accent4">
+                  <a:lumMod val="60000"/>
+                  <a:lumOff val="40000"/>
+                </a:schemeClr>
+              </a:buClr>
+              <a:buSzPct val="75000"/>
+              <a:buFont typeface="Wingdings" pitchFamily="2" charset="2"/>
+              <a:buChar char="n"/>
+            </a:pPr>
+            <a:r>
+              <a:rPr lang="en-US" sz="2000" dirty="0"/>
+              <a:t>E.g., 1 and 1000 </a:t>
+            </a:r>
+            <a:r>
+              <a:rPr lang="en-US" sz="2000" dirty="0">
+                <a:sym typeface="Wingdings" panose="05000000000000000000" pitchFamily="2" charset="2"/>
+              </a:rPr>
+              <a:t> output "Tutorial"</a:t>
+            </a:r>
+            <a:br>
+              <a:rPr lang="en-US" sz="2000" dirty="0">
+                <a:sym typeface="Wingdings" panose="05000000000000000000" pitchFamily="2" charset="2"/>
+              </a:rPr>
+            </a:br>
+            <a:r>
+              <a:rPr lang="en-US" sz="2000" dirty="0">
+                <a:sym typeface="Wingdings" panose="05000000000000000000" pitchFamily="2" charset="2"/>
+              </a:rPr>
+              <a:t>        5 and 1200  output "No activity"</a:t>
+            </a:r>
+          </a:p>
+          <a:p>
+            <a:pPr marL="800100" lvl="1" indent="-342900">
+              <a:spcBef>
+                <a:spcPts val="1200"/>
+              </a:spcBef>
+              <a:buClr>
+                <a:schemeClr val="accent4">
+                  <a:lumMod val="60000"/>
+                  <a:lumOff val="40000"/>
+                </a:schemeClr>
+              </a:buClr>
+              <a:buSzPct val="75000"/>
+              <a:buFont typeface="Wingdings" pitchFamily="2" charset="2"/>
+              <a:buChar char="n"/>
+            </a:pPr>
+            <a:endParaRPr lang="en-US" sz="2000" dirty="0">
+              <a:sym typeface="Wingdings" panose="05000000000000000000" pitchFamily="2" charset="2"/>
+            </a:endParaRPr>
+          </a:p>
+          <a:p>
+            <a:pPr marL="800100" lvl="1" indent="-342900">
+              <a:spcBef>
+                <a:spcPts val="1200"/>
+              </a:spcBef>
+              <a:buClr>
+                <a:schemeClr val="accent4">
+                  <a:lumMod val="60000"/>
+                  <a:lumOff val="40000"/>
+                </a:schemeClr>
+              </a:buClr>
+              <a:buSzPct val="75000"/>
+              <a:buFont typeface="Wingdings" pitchFamily="2" charset="2"/>
+              <a:buChar char="n"/>
+            </a:pPr>
+            <a:endParaRPr lang="en-US" sz="2000" dirty="0">
+              <a:sym typeface="Wingdings" panose="05000000000000000000" pitchFamily="2" charset="2"/>
+            </a:endParaRPr>
+          </a:p>
+          <a:p>
+            <a:pPr marL="800100" lvl="1" indent="-342900">
+              <a:spcBef>
+                <a:spcPts val="1200"/>
+              </a:spcBef>
+              <a:buClr>
+                <a:schemeClr val="accent4">
+                  <a:lumMod val="60000"/>
+                  <a:lumOff val="40000"/>
+                </a:schemeClr>
+              </a:buClr>
+              <a:buSzPct val="75000"/>
+              <a:buFont typeface="Wingdings" pitchFamily="2" charset="2"/>
+              <a:buChar char="n"/>
+            </a:pPr>
+            <a:endParaRPr lang="en-US" sz="2000" dirty="0">
+              <a:sym typeface="Wingdings" panose="05000000000000000000" pitchFamily="2" charset="2"/>
+            </a:endParaRPr>
+          </a:p>
+          <a:p>
+            <a:pPr marL="800100" lvl="1" indent="-342900">
+              <a:spcBef>
+                <a:spcPts val="1200"/>
+              </a:spcBef>
+              <a:buClr>
+                <a:schemeClr val="accent4">
+                  <a:lumMod val="60000"/>
+                  <a:lumOff val="40000"/>
+                </a:schemeClr>
+              </a:buClr>
+              <a:buSzPct val="75000"/>
+              <a:buFont typeface="Wingdings" pitchFamily="2" charset="2"/>
+              <a:buChar char="n"/>
+            </a:pPr>
+            <a:endParaRPr lang="en-US" sz="2000" dirty="0">
+              <a:sym typeface="Wingdings" panose="05000000000000000000" pitchFamily="2" charset="2"/>
+            </a:endParaRPr>
+          </a:p>
+          <a:p>
+            <a:pPr marL="800100" lvl="1" indent="-342900">
+              <a:spcBef>
+                <a:spcPts val="1200"/>
+              </a:spcBef>
+              <a:buClr>
+                <a:schemeClr val="accent4">
+                  <a:lumMod val="60000"/>
+                  <a:lumOff val="40000"/>
+                </a:schemeClr>
+              </a:buClr>
+              <a:buSzPct val="75000"/>
+              <a:buFont typeface="Wingdings" pitchFamily="2" charset="2"/>
+              <a:buChar char="n"/>
+            </a:pPr>
+            <a:endParaRPr lang="en-US" sz="2000" dirty="0">
+              <a:sym typeface="Wingdings" panose="05000000000000000000" pitchFamily="2" charset="2"/>
+            </a:endParaRPr>
+          </a:p>
+          <a:p>
+            <a:pPr marL="800100" lvl="1" indent="-342900">
+              <a:spcBef>
+                <a:spcPts val="1200"/>
+              </a:spcBef>
+              <a:buClr>
+                <a:schemeClr val="accent4">
+                  <a:lumMod val="60000"/>
+                  <a:lumOff val="40000"/>
+                </a:schemeClr>
+              </a:buClr>
+              <a:buSzPct val="75000"/>
+              <a:buFont typeface="Wingdings" pitchFamily="2" charset="2"/>
+              <a:buChar char="n"/>
+            </a:pPr>
+            <a:r>
+              <a:rPr lang="en-US" sz="2000" dirty="0">
+                <a:sym typeface="Wingdings" panose="05000000000000000000" pitchFamily="2" charset="2"/>
+              </a:rPr>
+              <a:t>Work out two sets of logic</a:t>
+            </a:r>
+          </a:p>
+          <a:p>
+            <a:pPr marL="1257300" lvl="2" indent="-342900">
+              <a:spcBef>
+                <a:spcPts val="1200"/>
+              </a:spcBef>
+              <a:buClr>
+                <a:schemeClr val="accent4">
+                  <a:lumMod val="60000"/>
+                  <a:lumOff val="40000"/>
+                </a:schemeClr>
+              </a:buClr>
+              <a:buSzPct val="75000"/>
+              <a:buFont typeface="Wingdings" pitchFamily="2" charset="2"/>
+              <a:buChar char="n"/>
+            </a:pPr>
+            <a:r>
+              <a:rPr lang="en-US" sz="2000" dirty="0">
+                <a:sym typeface="Wingdings" panose="05000000000000000000" pitchFamily="2" charset="2"/>
+              </a:rPr>
+              <a:t>Logic 1: Based on day and time together</a:t>
+            </a:r>
+          </a:p>
+          <a:p>
+            <a:pPr marL="1257300" lvl="2" indent="-342900">
+              <a:spcBef>
+                <a:spcPts val="1200"/>
+              </a:spcBef>
+              <a:buClr>
+                <a:schemeClr val="accent4">
+                  <a:lumMod val="60000"/>
+                  <a:lumOff val="40000"/>
+                </a:schemeClr>
+              </a:buClr>
+              <a:buSzPct val="75000"/>
+              <a:buFont typeface="Wingdings" pitchFamily="2" charset="2"/>
+              <a:buChar char="n"/>
+            </a:pPr>
+            <a:r>
+              <a:rPr lang="en-US" sz="2000" dirty="0">
+                <a:sym typeface="Wingdings" panose="05000000000000000000" pitchFamily="2" charset="2"/>
+              </a:rPr>
+              <a:t>Logic 2: Based on day first and then time.</a:t>
+            </a:r>
+            <a:endParaRPr lang="en-US" sz="2000" dirty="0"/>
+          </a:p>
+          <a:p>
+            <a:pPr marL="342900" indent="-342900">
+              <a:spcBef>
+                <a:spcPts val="1200"/>
+              </a:spcBef>
+              <a:buClr>
+                <a:schemeClr val="accent4">
+                  <a:lumMod val="60000"/>
+                  <a:lumOff val="40000"/>
+                </a:schemeClr>
+              </a:buClr>
+              <a:buSzPct val="75000"/>
+              <a:buFont typeface="Wingdings" pitchFamily="2" charset="2"/>
+              <a:buChar char="n"/>
+            </a:pPr>
+            <a:endParaRPr lang="en-US" sz="2400" dirty="0"/>
+          </a:p>
+        </p:txBody>
+      </p:sp>
+      <p:graphicFrame>
+        <p:nvGraphicFramePr>
+          <p:cNvPr id="5" name="Table 5">
+            <a:extLst>
+              <a:ext uri="{FF2B5EF4-FFF2-40B4-BE49-F238E27FC236}">
+                <a16:creationId xmlns:a16="http://schemas.microsoft.com/office/drawing/2014/main" id="{9E742EBA-8F43-4310-AD68-B4660B9ECF59}"/>
+              </a:ext>
+            </a:extLst>
+          </p:cNvPr>
+          <p:cNvGraphicFramePr>
+            <a:graphicFrameLocks noGrp="1"/>
+          </p:cNvGraphicFramePr>
+          <p:nvPr>
+            <p:extLst>
+              <p:ext uri="{D42A27DB-BD31-4B8C-83A1-F6EECF244321}">
+                <p14:modId xmlns:p14="http://schemas.microsoft.com/office/powerpoint/2010/main" val="452760393"/>
+              </p:ext>
+            </p:extLst>
+          </p:nvPr>
+        </p:nvGraphicFramePr>
+        <p:xfrm>
+          <a:off x="356909" y="2904642"/>
+          <a:ext cx="8580057" cy="2209800"/>
+        </p:xfrm>
+        <a:graphic>
+          <a:graphicData uri="http://schemas.openxmlformats.org/drawingml/2006/table">
+            <a:tbl>
+              <a:tblPr firstRow="1" bandRow="1">
+                <a:tableStyleId>{5C22544A-7EE6-4342-B048-85BDC9FD1C3A}</a:tableStyleId>
+              </a:tblPr>
+              <a:tblGrid>
+                <a:gridCol w="1055053">
+                  <a:extLst>
+                    <a:ext uri="{9D8B030D-6E8A-4147-A177-3AD203B41FA5}">
+                      <a16:colId xmlns:a16="http://schemas.microsoft.com/office/drawing/2014/main" val="1347842338"/>
+                    </a:ext>
+                  </a:extLst>
+                </a:gridCol>
+                <a:gridCol w="999871">
+                  <a:extLst>
+                    <a:ext uri="{9D8B030D-6E8A-4147-A177-3AD203B41FA5}">
+                      <a16:colId xmlns:a16="http://schemas.microsoft.com/office/drawing/2014/main" val="1099576626"/>
+                    </a:ext>
+                  </a:extLst>
+                </a:gridCol>
+                <a:gridCol w="999871">
+                  <a:extLst>
+                    <a:ext uri="{9D8B030D-6E8A-4147-A177-3AD203B41FA5}">
+                      <a16:colId xmlns:a16="http://schemas.microsoft.com/office/drawing/2014/main" val="1635334105"/>
+                    </a:ext>
+                  </a:extLst>
+                </a:gridCol>
+                <a:gridCol w="999871">
+                  <a:extLst>
+                    <a:ext uri="{9D8B030D-6E8A-4147-A177-3AD203B41FA5}">
+                      <a16:colId xmlns:a16="http://schemas.microsoft.com/office/drawing/2014/main" val="1542296081"/>
+                    </a:ext>
+                  </a:extLst>
+                </a:gridCol>
+                <a:gridCol w="999871">
+                  <a:extLst>
+                    <a:ext uri="{9D8B030D-6E8A-4147-A177-3AD203B41FA5}">
+                      <a16:colId xmlns:a16="http://schemas.microsoft.com/office/drawing/2014/main" val="2383219434"/>
+                    </a:ext>
+                  </a:extLst>
+                </a:gridCol>
+                <a:gridCol w="1008380">
+                  <a:extLst>
+                    <a:ext uri="{9D8B030D-6E8A-4147-A177-3AD203B41FA5}">
+                      <a16:colId xmlns:a16="http://schemas.microsoft.com/office/drawing/2014/main" val="1166016308"/>
+                    </a:ext>
+                  </a:extLst>
+                </a:gridCol>
+                <a:gridCol w="1008380">
+                  <a:extLst>
+                    <a:ext uri="{9D8B030D-6E8A-4147-A177-3AD203B41FA5}">
+                      <a16:colId xmlns:a16="http://schemas.microsoft.com/office/drawing/2014/main" val="891563044"/>
+                    </a:ext>
+                  </a:extLst>
+                </a:gridCol>
+                <a:gridCol w="754380">
+                  <a:extLst>
+                    <a:ext uri="{9D8B030D-6E8A-4147-A177-3AD203B41FA5}">
+                      <a16:colId xmlns:a16="http://schemas.microsoft.com/office/drawing/2014/main" val="3862921074"/>
+                    </a:ext>
+                  </a:extLst>
+                </a:gridCol>
+                <a:gridCol w="754380">
+                  <a:extLst>
+                    <a:ext uri="{9D8B030D-6E8A-4147-A177-3AD203B41FA5}">
+                      <a16:colId xmlns:a16="http://schemas.microsoft.com/office/drawing/2014/main" val="830602475"/>
+                    </a:ext>
+                  </a:extLst>
+                </a:gridCol>
+              </a:tblGrid>
+              <a:tr h="0">
+                <a:tc>
+                  <a:txBody>
+                    <a:bodyPr/>
+                    <a:lstStyle/>
+                    <a:p>
+                      <a:pPr algn="ctr"/>
+                      <a:endParaRPr lang="en-US" dirty="0"/>
+                    </a:p>
+                  </a:txBody>
+                  <a:tcPr/>
+                </a:tc>
+                <a:tc>
+                  <a:txBody>
+                    <a:bodyPr/>
+                    <a:lstStyle/>
+                    <a:p>
+                      <a:pPr algn="ctr"/>
+                      <a:r>
+                        <a:rPr lang="en-US" dirty="0"/>
+                        <a:t>1000</a:t>
+                      </a:r>
+                    </a:p>
+                  </a:txBody>
+                  <a:tcPr/>
+                </a:tc>
+                <a:tc>
+                  <a:txBody>
+                    <a:bodyPr/>
+                    <a:lstStyle/>
+                    <a:p>
+                      <a:pPr algn="ctr"/>
+                      <a:r>
+                        <a:rPr lang="en-US" dirty="0"/>
+                        <a:t>1100</a:t>
+                      </a:r>
+                    </a:p>
+                  </a:txBody>
+                  <a:tcPr/>
+                </a:tc>
+                <a:tc>
+                  <a:txBody>
+                    <a:bodyPr/>
+                    <a:lstStyle/>
+                    <a:p>
+                      <a:pPr algn="ctr"/>
+                      <a:r>
+                        <a:rPr lang="en-US" dirty="0"/>
+                        <a:t>1200</a:t>
+                      </a:r>
+                    </a:p>
+                  </a:txBody>
+                  <a:tcPr/>
+                </a:tc>
+                <a:tc>
+                  <a:txBody>
+                    <a:bodyPr/>
+                    <a:lstStyle/>
+                    <a:p>
+                      <a:pPr algn="ctr"/>
+                      <a:r>
+                        <a:rPr lang="en-US" dirty="0"/>
+                        <a:t>1300</a:t>
+                      </a:r>
+                    </a:p>
+                  </a:txBody>
+                  <a:tcPr/>
+                </a:tc>
+                <a:tc>
+                  <a:txBody>
+                    <a:bodyPr/>
+                    <a:lstStyle/>
+                    <a:p>
+                      <a:pPr algn="ctr"/>
+                      <a:r>
+                        <a:rPr lang="en-US" dirty="0"/>
+                        <a:t>1400</a:t>
+                      </a:r>
+                    </a:p>
+                  </a:txBody>
+                  <a:tcPr/>
+                </a:tc>
+                <a:tc>
+                  <a:txBody>
+                    <a:bodyPr/>
+                    <a:lstStyle/>
+                    <a:p>
+                      <a:pPr algn="ctr"/>
+                      <a:r>
+                        <a:rPr lang="en-US" dirty="0"/>
+                        <a:t>1500</a:t>
+                      </a:r>
+                    </a:p>
+                  </a:txBody>
+                  <a:tcPr/>
+                </a:tc>
+                <a:tc>
+                  <a:txBody>
+                    <a:bodyPr/>
+                    <a:lstStyle/>
+                    <a:p>
+                      <a:pPr algn="ctr"/>
+                      <a:r>
+                        <a:rPr lang="en-US" dirty="0"/>
+                        <a:t>1600</a:t>
+                      </a:r>
+                    </a:p>
+                  </a:txBody>
+                  <a:tcPr/>
+                </a:tc>
+                <a:tc>
+                  <a:txBody>
+                    <a:bodyPr/>
+                    <a:lstStyle/>
+                    <a:p>
+                      <a:pPr algn="ctr"/>
+                      <a:r>
+                        <a:rPr lang="en-US" dirty="0"/>
+                        <a:t>1700</a:t>
+                      </a:r>
+                    </a:p>
+                  </a:txBody>
+                  <a:tcPr/>
+                </a:tc>
+                <a:extLst>
+                  <a:ext uri="{0D108BD9-81ED-4DB2-BD59-A6C34878D82A}">
+                    <a16:rowId xmlns:a16="http://schemas.microsoft.com/office/drawing/2014/main" val="3119535498"/>
+                  </a:ext>
+                </a:extLst>
+              </a:tr>
+              <a:tr h="0">
+                <a:tc>
+                  <a:txBody>
+                    <a:bodyPr/>
+                    <a:lstStyle/>
+                    <a:p>
+                      <a:pPr algn="l"/>
+                      <a:r>
+                        <a:rPr lang="en-US" dirty="0"/>
+                        <a:t>1 (Mon)</a:t>
+                      </a:r>
+                    </a:p>
+                  </a:txBody>
+                  <a:tcPr/>
+                </a:tc>
+                <a:tc>
+                  <a:txBody>
+                    <a:bodyPr/>
+                    <a:lstStyle/>
+                    <a:p>
+                      <a:pPr algn="ctr"/>
+                      <a:r>
+                        <a:rPr lang="en-US" dirty="0"/>
+                        <a:t>Tutorial</a:t>
+                      </a:r>
+                    </a:p>
+                  </a:txBody>
+                  <a:tcPr/>
+                </a:tc>
+                <a:tc>
+                  <a:txBody>
+                    <a:bodyPr/>
+                    <a:lstStyle/>
+                    <a:p>
+                      <a:pPr marL="0" marR="0" lvl="0" indent="0" algn="ctr" defTabSz="914400" rtl="0" eaLnBrk="1" fontAlgn="auto" latinLnBrk="0" hangingPunct="1">
+                        <a:lnSpc>
+                          <a:spcPct val="100000"/>
+                        </a:lnSpc>
+                        <a:spcBef>
+                          <a:spcPts val="0"/>
+                        </a:spcBef>
+                        <a:spcAft>
+                          <a:spcPts val="0"/>
+                        </a:spcAft>
+                        <a:buClrTx/>
+                        <a:buSzTx/>
+                        <a:buFontTx/>
+                        <a:buNone/>
+                        <a:tabLst/>
+                        <a:defRPr/>
+                      </a:pPr>
+                      <a:r>
+                        <a:rPr lang="en-US" dirty="0"/>
+                        <a:t>Tutorial</a:t>
+                      </a:r>
+                    </a:p>
+                  </a:txBody>
+                  <a:tcPr/>
+                </a:tc>
+                <a:tc>
+                  <a:txBody>
+                    <a:bodyPr/>
+                    <a:lstStyle/>
+                    <a:p>
+                      <a:pPr marL="0" marR="0" lvl="0" indent="0" algn="ctr" defTabSz="914400" rtl="0" eaLnBrk="1" fontAlgn="auto" latinLnBrk="0" hangingPunct="1">
+                        <a:lnSpc>
+                          <a:spcPct val="100000"/>
+                        </a:lnSpc>
+                        <a:spcBef>
+                          <a:spcPts val="0"/>
+                        </a:spcBef>
+                        <a:spcAft>
+                          <a:spcPts val="0"/>
+                        </a:spcAft>
+                        <a:buClrTx/>
+                        <a:buSzTx/>
+                        <a:buFontTx/>
+                        <a:buNone/>
+                        <a:tabLst/>
+                        <a:defRPr/>
+                      </a:pPr>
+                      <a:r>
+                        <a:rPr lang="en-US" dirty="0"/>
+                        <a:t>Tutorial</a:t>
+                      </a:r>
+                    </a:p>
+                  </a:txBody>
+                  <a:tcPr/>
+                </a:tc>
+                <a:tc>
+                  <a:txBody>
+                    <a:bodyPr/>
+                    <a:lstStyle/>
+                    <a:p>
+                      <a:pPr marL="0" marR="0" lvl="0" indent="0" algn="ctr" defTabSz="914400" rtl="0" eaLnBrk="1" fontAlgn="auto" latinLnBrk="0" hangingPunct="1">
+                        <a:lnSpc>
+                          <a:spcPct val="100000"/>
+                        </a:lnSpc>
+                        <a:spcBef>
+                          <a:spcPts val="0"/>
+                        </a:spcBef>
+                        <a:spcAft>
+                          <a:spcPts val="0"/>
+                        </a:spcAft>
+                        <a:buClrTx/>
+                        <a:buSzTx/>
+                        <a:buFontTx/>
+                        <a:buNone/>
+                        <a:tabLst/>
+                        <a:defRPr/>
+                      </a:pPr>
+                      <a:r>
+                        <a:rPr lang="en-US" dirty="0"/>
+                        <a:t>Tutorial</a:t>
+                      </a:r>
+                    </a:p>
+                  </a:txBody>
+                  <a:tcPr/>
+                </a:tc>
+                <a:tc>
+                  <a:txBody>
+                    <a:bodyPr/>
+                    <a:lstStyle/>
+                    <a:p>
+                      <a:pPr algn="ctr"/>
+                      <a:r>
+                        <a:rPr lang="en-US" dirty="0"/>
+                        <a:t>Lecture</a:t>
+                      </a:r>
+                    </a:p>
+                  </a:txBody>
+                  <a:tcPr/>
+                </a:tc>
+                <a:tc>
+                  <a:txBody>
+                    <a:bodyPr/>
+                    <a:lstStyle/>
+                    <a:p>
+                      <a:pPr marL="0" marR="0" lvl="0" indent="0" algn="ctr" defTabSz="914400" rtl="0" eaLnBrk="1" fontAlgn="auto" latinLnBrk="0" hangingPunct="1">
+                        <a:lnSpc>
+                          <a:spcPct val="100000"/>
+                        </a:lnSpc>
+                        <a:spcBef>
+                          <a:spcPts val="0"/>
+                        </a:spcBef>
+                        <a:spcAft>
+                          <a:spcPts val="0"/>
+                        </a:spcAft>
+                        <a:buClrTx/>
+                        <a:buSzTx/>
+                        <a:buFontTx/>
+                        <a:buNone/>
+                        <a:tabLst/>
+                        <a:defRPr/>
+                      </a:pPr>
+                      <a:r>
+                        <a:rPr lang="en-US" dirty="0"/>
+                        <a:t>Lecture</a:t>
+                      </a:r>
+                    </a:p>
+                  </a:txBody>
+                  <a:tcPr/>
+                </a:tc>
+                <a:tc>
+                  <a:txBody>
+                    <a:bodyPr/>
+                    <a:lstStyle/>
+                    <a:p>
+                      <a:pPr algn="ctr"/>
+                      <a:r>
+                        <a:rPr lang="en-US" dirty="0"/>
+                        <a:t>-</a:t>
+                      </a:r>
+                    </a:p>
+                  </a:txBody>
+                  <a:tcPr/>
+                </a:tc>
+                <a:tc>
+                  <a:txBody>
+                    <a:bodyPr/>
+                    <a:lstStyle/>
+                    <a:p>
+                      <a:pPr algn="ctr"/>
+                      <a:r>
+                        <a:rPr lang="en-US" dirty="0"/>
+                        <a:t>-</a:t>
+                      </a:r>
+                    </a:p>
+                  </a:txBody>
+                  <a:tcPr/>
+                </a:tc>
+                <a:extLst>
+                  <a:ext uri="{0D108BD9-81ED-4DB2-BD59-A6C34878D82A}">
+                    <a16:rowId xmlns:a16="http://schemas.microsoft.com/office/drawing/2014/main" val="1189146622"/>
+                  </a:ext>
+                </a:extLst>
+              </a:tr>
+              <a:tr h="370840">
+                <a:tc>
+                  <a:txBody>
+                    <a:bodyPr/>
+                    <a:lstStyle/>
+                    <a:p>
+                      <a:pPr algn="l"/>
+                      <a:r>
+                        <a:rPr lang="en-US" dirty="0"/>
+                        <a:t>2 (Tue)</a:t>
+                      </a:r>
+                    </a:p>
+                  </a:txBody>
+                  <a:tcPr/>
+                </a:tc>
+                <a:tc>
+                  <a:txBody>
+                    <a:bodyPr/>
+                    <a:lstStyle/>
+                    <a:p>
+                      <a:pPr algn="ctr"/>
+                      <a:r>
+                        <a:rPr lang="en-US" dirty="0"/>
+                        <a:t>-</a:t>
+                      </a:r>
+                    </a:p>
+                  </a:txBody>
+                  <a:tcPr/>
+                </a:tc>
+                <a:tc>
+                  <a:txBody>
+                    <a:bodyPr/>
+                    <a:lstStyle/>
+                    <a:p>
+                      <a:pPr algn="ctr"/>
+                      <a:r>
+                        <a:rPr lang="en-US" dirty="0"/>
+                        <a:t>-</a:t>
+                      </a:r>
+                    </a:p>
+                  </a:txBody>
+                  <a:tcPr/>
+                </a:tc>
+                <a:tc>
+                  <a:txBody>
+                    <a:bodyPr/>
+                    <a:lstStyle/>
+                    <a:p>
+                      <a:pPr algn="ctr"/>
+                      <a:r>
+                        <a:rPr lang="en-US" dirty="0"/>
+                        <a:t>-</a:t>
+                      </a:r>
+                    </a:p>
+                  </a:txBody>
+                  <a:tcPr/>
+                </a:tc>
+                <a:tc>
+                  <a:txBody>
+                    <a:bodyPr/>
+                    <a:lstStyle/>
+                    <a:p>
+                      <a:pPr algn="ctr"/>
+                      <a:r>
+                        <a:rPr lang="en-US" dirty="0"/>
+                        <a:t>-</a:t>
+                      </a:r>
+                    </a:p>
+                  </a:txBody>
+                  <a:tcPr/>
+                </a:tc>
+                <a:tc>
+                  <a:txBody>
+                    <a:bodyPr/>
+                    <a:lstStyle/>
+                    <a:p>
+                      <a:pPr algn="ctr"/>
+                      <a:r>
+                        <a:rPr lang="en-US" dirty="0"/>
+                        <a:t>-</a:t>
+                      </a:r>
+                    </a:p>
+                  </a:txBody>
+                  <a:tcPr/>
+                </a:tc>
+                <a:tc>
+                  <a:txBody>
+                    <a:bodyPr/>
+                    <a:lstStyle/>
+                    <a:p>
+                      <a:pPr algn="ctr"/>
+                      <a:r>
+                        <a:rPr lang="en-US" dirty="0"/>
+                        <a:t>-</a:t>
+                      </a:r>
+                    </a:p>
+                  </a:txBody>
+                  <a:tcPr/>
+                </a:tc>
+                <a:tc>
+                  <a:txBody>
+                    <a:bodyPr/>
+                    <a:lstStyle/>
+                    <a:p>
+                      <a:pPr algn="ctr"/>
+                      <a:r>
+                        <a:rPr lang="en-US" dirty="0"/>
+                        <a:t>-</a:t>
+                      </a:r>
+                    </a:p>
+                  </a:txBody>
+                  <a:tcPr/>
+                </a:tc>
+                <a:tc>
+                  <a:txBody>
+                    <a:bodyPr/>
+                    <a:lstStyle/>
+                    <a:p>
+                      <a:pPr algn="ctr"/>
+                      <a:r>
+                        <a:rPr lang="en-US" dirty="0"/>
+                        <a:t>-</a:t>
+                      </a:r>
+                    </a:p>
+                  </a:txBody>
+                  <a:tcPr/>
+                </a:tc>
+                <a:extLst>
+                  <a:ext uri="{0D108BD9-81ED-4DB2-BD59-A6C34878D82A}">
+                    <a16:rowId xmlns:a16="http://schemas.microsoft.com/office/drawing/2014/main" val="1587814231"/>
+                  </a:ext>
+                </a:extLst>
+              </a:tr>
+              <a:tr h="370840">
+                <a:tc>
+                  <a:txBody>
+                    <a:bodyPr/>
+                    <a:lstStyle/>
+                    <a:p>
+                      <a:pPr algn="l"/>
+                      <a:r>
+                        <a:rPr lang="en-US" dirty="0"/>
+                        <a:t>3 (Wed)</a:t>
+                      </a:r>
+                    </a:p>
+                  </a:txBody>
+                  <a:tcPr/>
+                </a:tc>
+                <a:tc>
+                  <a:txBody>
+                    <a:bodyPr/>
+                    <a:lstStyle/>
+                    <a:p>
+                      <a:pPr algn="ctr"/>
+                      <a:r>
+                        <a:rPr lang="en-US" dirty="0"/>
+                        <a:t>-</a:t>
+                      </a:r>
+                    </a:p>
+                  </a:txBody>
+                  <a:tcPr/>
+                </a:tc>
+                <a:tc>
+                  <a:txBody>
+                    <a:bodyPr/>
+                    <a:lstStyle/>
+                    <a:p>
+                      <a:pPr algn="ctr"/>
+                      <a:r>
+                        <a:rPr lang="en-US" dirty="0"/>
+                        <a:t>-</a:t>
+                      </a:r>
+                    </a:p>
+                  </a:txBody>
+                  <a:tcPr/>
+                </a:tc>
+                <a:tc>
+                  <a:txBody>
+                    <a:bodyPr/>
+                    <a:lstStyle/>
+                    <a:p>
+                      <a:pPr algn="ctr"/>
+                      <a:r>
+                        <a:rPr lang="en-US" dirty="0"/>
+                        <a:t>Tutorial</a:t>
+                      </a:r>
+                    </a:p>
+                  </a:txBody>
+                  <a:tcPr/>
+                </a:tc>
+                <a:tc>
+                  <a:txBody>
+                    <a:bodyPr/>
+                    <a:lstStyle/>
+                    <a:p>
+                      <a:pPr marL="0" marR="0" lvl="0" indent="0" algn="ctr" defTabSz="914400" rtl="0" eaLnBrk="1" fontAlgn="auto" latinLnBrk="0" hangingPunct="1">
+                        <a:lnSpc>
+                          <a:spcPct val="100000"/>
+                        </a:lnSpc>
+                        <a:spcBef>
+                          <a:spcPts val="0"/>
+                        </a:spcBef>
+                        <a:spcAft>
+                          <a:spcPts val="0"/>
+                        </a:spcAft>
+                        <a:buClrTx/>
+                        <a:buSzTx/>
+                        <a:buFontTx/>
+                        <a:buNone/>
+                        <a:tabLst/>
+                        <a:defRPr/>
+                      </a:pPr>
+                      <a:r>
+                        <a:rPr lang="en-US" dirty="0"/>
+                        <a:t>Tutorial</a:t>
+                      </a:r>
+                    </a:p>
+                  </a:txBody>
+                  <a:tcPr/>
+                </a:tc>
+                <a:tc>
+                  <a:txBody>
+                    <a:bodyPr/>
+                    <a:lstStyle/>
+                    <a:p>
+                      <a:pPr marL="0" marR="0" lvl="0" indent="0" algn="ctr" defTabSz="914400" rtl="0" eaLnBrk="1" fontAlgn="auto" latinLnBrk="0" hangingPunct="1">
+                        <a:lnSpc>
+                          <a:spcPct val="100000"/>
+                        </a:lnSpc>
+                        <a:spcBef>
+                          <a:spcPts val="0"/>
+                        </a:spcBef>
+                        <a:spcAft>
+                          <a:spcPts val="0"/>
+                        </a:spcAft>
+                        <a:buClrTx/>
+                        <a:buSzTx/>
+                        <a:buFontTx/>
+                        <a:buNone/>
+                        <a:tabLst/>
+                        <a:defRPr/>
+                      </a:pPr>
+                      <a:r>
+                        <a:rPr lang="en-US" dirty="0"/>
+                        <a:t>Tutorial</a:t>
+                      </a:r>
+                    </a:p>
+                  </a:txBody>
+                  <a:tcPr/>
+                </a:tc>
+                <a:tc>
+                  <a:txBody>
+                    <a:bodyPr/>
+                    <a:lstStyle/>
+                    <a:p>
+                      <a:pPr marL="0" marR="0" lvl="0" indent="0" algn="ctr" defTabSz="914400" rtl="0" eaLnBrk="1" fontAlgn="auto" latinLnBrk="0" hangingPunct="1">
+                        <a:lnSpc>
+                          <a:spcPct val="100000"/>
+                        </a:lnSpc>
+                        <a:spcBef>
+                          <a:spcPts val="0"/>
+                        </a:spcBef>
+                        <a:spcAft>
+                          <a:spcPts val="0"/>
+                        </a:spcAft>
+                        <a:buClrTx/>
+                        <a:buSzTx/>
+                        <a:buFontTx/>
+                        <a:buNone/>
+                        <a:tabLst/>
+                        <a:defRPr/>
+                      </a:pPr>
+                      <a:r>
+                        <a:rPr lang="en-US" dirty="0"/>
+                        <a:t>Tutorial</a:t>
+                      </a:r>
+                    </a:p>
+                  </a:txBody>
+                  <a:tcPr/>
+                </a:tc>
+                <a:tc>
+                  <a:txBody>
+                    <a:bodyPr/>
+                    <a:lstStyle/>
+                    <a:p>
+                      <a:pPr algn="ctr"/>
+                      <a:r>
+                        <a:rPr lang="en-US" dirty="0"/>
+                        <a:t>-</a:t>
+                      </a:r>
+                    </a:p>
+                  </a:txBody>
+                  <a:tcPr/>
+                </a:tc>
+                <a:tc>
+                  <a:txBody>
+                    <a:bodyPr/>
+                    <a:lstStyle/>
+                    <a:p>
+                      <a:pPr algn="ctr"/>
+                      <a:r>
+                        <a:rPr lang="en-US" dirty="0"/>
+                        <a:t>-</a:t>
+                      </a:r>
+                    </a:p>
+                  </a:txBody>
+                  <a:tcPr/>
+                </a:tc>
+                <a:extLst>
+                  <a:ext uri="{0D108BD9-81ED-4DB2-BD59-A6C34878D82A}">
+                    <a16:rowId xmlns:a16="http://schemas.microsoft.com/office/drawing/2014/main" val="3757010446"/>
+                  </a:ext>
+                </a:extLst>
+              </a:tr>
+              <a:tr h="370840">
+                <a:tc>
+                  <a:txBody>
+                    <a:bodyPr/>
+                    <a:lstStyle/>
+                    <a:p>
+                      <a:pPr algn="l"/>
+                      <a:r>
+                        <a:rPr lang="en-US" dirty="0"/>
+                        <a:t>4 (Thu)</a:t>
+                      </a:r>
+                    </a:p>
+                  </a:txBody>
+                  <a:tcPr/>
+                </a:tc>
+                <a:tc>
+                  <a:txBody>
+                    <a:bodyPr/>
+                    <a:lstStyle/>
+                    <a:p>
+                      <a:pPr algn="ctr"/>
+                      <a:r>
+                        <a:rPr lang="en-US" dirty="0"/>
+                        <a:t>-</a:t>
+                      </a:r>
+                    </a:p>
+                  </a:txBody>
+                  <a:tcPr/>
+                </a:tc>
+                <a:tc>
+                  <a:txBody>
+                    <a:bodyPr/>
+                    <a:lstStyle/>
+                    <a:p>
+                      <a:pPr algn="ctr"/>
+                      <a:r>
+                        <a:rPr lang="en-US" dirty="0"/>
+                        <a:t>-</a:t>
+                      </a:r>
+                    </a:p>
+                  </a:txBody>
+                  <a:tcPr/>
+                </a:tc>
+                <a:tc>
+                  <a:txBody>
+                    <a:bodyPr/>
+                    <a:lstStyle/>
+                    <a:p>
+                      <a:pPr algn="ctr"/>
+                      <a:r>
+                        <a:rPr lang="en-US" dirty="0"/>
+                        <a:t>-</a:t>
+                      </a:r>
+                    </a:p>
+                  </a:txBody>
+                  <a:tcPr/>
+                </a:tc>
+                <a:tc>
+                  <a:txBody>
+                    <a:bodyPr/>
+                    <a:lstStyle/>
+                    <a:p>
+                      <a:pPr algn="ctr"/>
+                      <a:r>
+                        <a:rPr lang="en-US" dirty="0"/>
+                        <a:t>-</a:t>
+                      </a:r>
+                    </a:p>
+                  </a:txBody>
+                  <a:tcPr/>
+                </a:tc>
+                <a:tc>
+                  <a:txBody>
+                    <a:bodyPr/>
+                    <a:lstStyle/>
+                    <a:p>
+                      <a:pPr algn="ctr"/>
+                      <a:r>
+                        <a:rPr lang="en-US" dirty="0"/>
+                        <a:t>-</a:t>
+                      </a:r>
+                    </a:p>
+                  </a:txBody>
+                  <a:tcPr/>
+                </a:tc>
+                <a:tc>
+                  <a:txBody>
+                    <a:bodyPr/>
+                    <a:lstStyle/>
+                    <a:p>
+                      <a:pPr algn="ctr"/>
+                      <a:r>
+                        <a:rPr lang="en-US" dirty="0"/>
+                        <a:t>-</a:t>
+                      </a:r>
+                    </a:p>
+                  </a:txBody>
+                  <a:tcPr/>
+                </a:tc>
+                <a:tc>
+                  <a:txBody>
+                    <a:bodyPr/>
+                    <a:lstStyle/>
+                    <a:p>
+                      <a:pPr algn="ctr"/>
+                      <a:r>
+                        <a:rPr lang="en-US" dirty="0"/>
+                        <a:t>-</a:t>
+                      </a:r>
+                    </a:p>
+                  </a:txBody>
+                  <a:tcPr/>
+                </a:tc>
+                <a:tc>
+                  <a:txBody>
+                    <a:bodyPr/>
+                    <a:lstStyle/>
+                    <a:p>
+                      <a:pPr algn="ctr"/>
+                      <a:r>
+                        <a:rPr lang="en-US" dirty="0"/>
+                        <a:t>-</a:t>
+                      </a:r>
+                    </a:p>
+                  </a:txBody>
+                  <a:tcPr/>
+                </a:tc>
+                <a:extLst>
+                  <a:ext uri="{0D108BD9-81ED-4DB2-BD59-A6C34878D82A}">
+                    <a16:rowId xmlns:a16="http://schemas.microsoft.com/office/drawing/2014/main" val="3990964516"/>
+                  </a:ext>
+                </a:extLst>
+              </a:tr>
+              <a:tr h="0">
+                <a:tc>
+                  <a:txBody>
+                    <a:bodyPr/>
+                    <a:lstStyle/>
+                    <a:p>
+                      <a:pPr algn="l"/>
+                      <a:r>
+                        <a:rPr lang="en-US" dirty="0"/>
+                        <a:t>5 (Fri)</a:t>
+                      </a:r>
+                    </a:p>
+                  </a:txBody>
+                  <a:tcPr/>
+                </a:tc>
+                <a:tc>
+                  <a:txBody>
+                    <a:bodyPr/>
+                    <a:lstStyle/>
+                    <a:p>
+                      <a:pPr algn="ctr"/>
+                      <a:r>
+                        <a:rPr lang="en-US" dirty="0"/>
+                        <a:t>-</a:t>
+                      </a:r>
+                    </a:p>
+                  </a:txBody>
+                  <a:tcPr/>
+                </a:tc>
+                <a:tc>
+                  <a:txBody>
+                    <a:bodyPr/>
+                    <a:lstStyle/>
+                    <a:p>
+                      <a:pPr algn="ctr"/>
+                      <a:r>
+                        <a:rPr lang="en-US" dirty="0"/>
+                        <a:t>-</a:t>
+                      </a:r>
+                    </a:p>
+                  </a:txBody>
+                  <a:tcPr/>
+                </a:tc>
+                <a:tc>
+                  <a:txBody>
+                    <a:bodyPr/>
+                    <a:lstStyle/>
+                    <a:p>
+                      <a:pPr algn="ctr"/>
+                      <a:r>
+                        <a:rPr lang="en-US" dirty="0"/>
+                        <a:t>-</a:t>
+                      </a:r>
+                    </a:p>
+                  </a:txBody>
+                  <a:tcPr/>
+                </a:tc>
+                <a:tc>
+                  <a:txBody>
+                    <a:bodyPr/>
+                    <a:lstStyle/>
+                    <a:p>
+                      <a:pPr algn="ctr"/>
+                      <a:r>
+                        <a:rPr lang="en-US" dirty="0"/>
+                        <a:t>-</a:t>
+                      </a:r>
+                    </a:p>
+                  </a:txBody>
+                  <a:tcPr/>
+                </a:tc>
+                <a:tc>
+                  <a:txBody>
+                    <a:bodyPr/>
+                    <a:lstStyle/>
+                    <a:p>
+                      <a:pPr algn="ctr"/>
+                      <a:r>
+                        <a:rPr lang="en-US" dirty="0"/>
+                        <a:t>-</a:t>
+                      </a:r>
+                    </a:p>
+                  </a:txBody>
+                  <a:tcPr/>
+                </a:tc>
+                <a:tc>
+                  <a:txBody>
+                    <a:bodyPr/>
+                    <a:lstStyle/>
+                    <a:p>
+                      <a:pPr algn="ctr"/>
+                      <a:r>
+                        <a:rPr lang="en-US" dirty="0"/>
+                        <a:t>-</a:t>
+                      </a:r>
+                    </a:p>
+                  </a:txBody>
+                  <a:tcPr/>
+                </a:tc>
+                <a:tc>
+                  <a:txBody>
+                    <a:bodyPr/>
+                    <a:lstStyle/>
+                    <a:p>
+                      <a:pPr algn="ctr"/>
+                      <a:r>
+                        <a:rPr lang="en-US" dirty="0"/>
+                        <a:t>-</a:t>
+                      </a:r>
+                    </a:p>
+                  </a:txBody>
+                  <a:tcPr/>
+                </a:tc>
+                <a:tc>
+                  <a:txBody>
+                    <a:bodyPr/>
+                    <a:lstStyle/>
+                    <a:p>
+                      <a:pPr algn="ctr"/>
+                      <a:r>
+                        <a:rPr lang="en-US" dirty="0"/>
+                        <a:t>-</a:t>
+                      </a:r>
+                    </a:p>
+                  </a:txBody>
+                  <a:tcPr/>
+                </a:tc>
+                <a:extLst>
+                  <a:ext uri="{0D108BD9-81ED-4DB2-BD59-A6C34878D82A}">
+                    <a16:rowId xmlns:a16="http://schemas.microsoft.com/office/drawing/2014/main" val="3537868255"/>
+                  </a:ext>
+                </a:extLst>
+              </a:tr>
+            </a:tbl>
+          </a:graphicData>
+        </a:graphic>
+      </p:graphicFrame>
+    </p:spTree>
+    <p:extLst>
+      <p:ext uri="{BB962C8B-B14F-4D97-AF65-F5344CB8AC3E}">
+        <p14:creationId xmlns:p14="http://schemas.microsoft.com/office/powerpoint/2010/main" val="2775173622"/>
+      </p:ext>
+    </p:extLst>
+  </p:cSld>
+  <p:clrMapOvr>
+    <a:masterClrMapping/>
+  </p:clrMapOvr>
+  <p:transition>
+    <p:fade/>
+  </p:transition>
+</p:sld>
+</file>
+
+<file path=ppt/slides/slide17.xml><?xml version="1.0" encoding="utf-8"?>
+<p:sld xmlns:a="http://schemas.openxmlformats.org/drawingml/2006/main" xmlns:r="http://schemas.openxmlformats.org/officeDocument/2006/relationships" xmlns:p="http://schemas.openxmlformats.org/presentationml/2006/main">
+  <p:cSld>
+    <p:spTree>
+      <p:nvGrpSpPr>
+        <p:cNvPr id="1" name=""/>
+        <p:cNvGrpSpPr/>
+        <p:nvPr/>
+      </p:nvGrpSpPr>
+      <p:grpSpPr>
+        <a:xfrm>
+          <a:off x="0" y="0"/>
+          <a:ext cx="0" cy="0"/>
+          <a:chOff x="0" y="0"/>
+          <a:chExt cx="0" cy="0"/>
+        </a:xfrm>
+      </p:grpSpPr>
+      <p:sp>
+        <p:nvSpPr>
+          <p:cNvPr id="25602" name="Rectangle 2"/>
+          <p:cNvSpPr>
+            <a:spLocks noGrp="1" noChangeArrowheads="1"/>
+          </p:cNvSpPr>
+          <p:nvPr>
+            <p:ph type="title"/>
+          </p:nvPr>
+        </p:nvSpPr>
+        <p:spPr>
+          <a:xfrm>
+            <a:off x="533400" y="457200"/>
+            <a:ext cx="8403566" cy="685800"/>
+          </a:xfrm>
+        </p:spPr>
+        <p:txBody>
+          <a:bodyPr>
+            <a:normAutofit fontScale="90000"/>
+          </a:bodyPr>
+          <a:lstStyle/>
+          <a:p>
+            <a:pPr eaLnBrk="1" hangingPunct="1"/>
+            <a:r>
+              <a:rPr lang="en-GB" dirty="0">
+                <a:solidFill>
+                  <a:srgbClr val="0000FF"/>
+                </a:solidFill>
+              </a:rPr>
+              <a:t>Ex#1: CS1010 Schedule</a:t>
+            </a:r>
+            <a:endParaRPr lang="en-GB" sz="3100" dirty="0">
+              <a:solidFill>
+                <a:srgbClr val="0000FF"/>
+              </a:solidFill>
+            </a:endParaRPr>
+          </a:p>
+        </p:txBody>
+      </p:sp>
+      <p:sp>
+        <p:nvSpPr>
+          <p:cNvPr id="9" name="Slide Number Placeholder 8"/>
+          <p:cNvSpPr>
+            <a:spLocks noGrp="1"/>
+          </p:cNvSpPr>
+          <p:nvPr>
+            <p:ph type="sldNum" sz="quarter" idx="12"/>
+          </p:nvPr>
+        </p:nvSpPr>
+        <p:spPr/>
+        <p:txBody>
+          <a:bodyPr>
+            <a:normAutofit/>
+          </a:bodyPr>
+          <a:lstStyle/>
+          <a:p>
+            <a:pPr>
+              <a:defRPr/>
+            </a:pPr>
+            <a:r>
+              <a:rPr lang="en-US" dirty="0"/>
+              <a:t>Week3 </a:t>
+            </a:r>
+            <a:r>
+              <a:rPr dirty="0"/>
+              <a:t>- </a:t>
+            </a:r>
+            <a:fld id="{24D17162-63A3-49DC-92B1-933428BCC85F}" type="slidenum">
+              <a:rPr smtClean="0"/>
+              <a:pPr>
+                <a:defRPr/>
+              </a:pPr>
+              <a:t>17</a:t>
+            </a:fld>
+            <a:endParaRPr dirty="0"/>
+          </a:p>
+        </p:txBody>
+      </p:sp>
+      <p:sp>
+        <p:nvSpPr>
+          <p:cNvPr id="14" name="[Date Placeholder 3]"/>
+          <p:cNvSpPr>
+            <a:spLocks noGrp="1"/>
+          </p:cNvSpPr>
+          <p:nvPr>
+            <p:ph type="dt" sz="half" idx="10"/>
+          </p:nvPr>
+        </p:nvSpPr>
+        <p:spPr>
+          <a:xfrm>
+            <a:off x="457200" y="18288"/>
+            <a:ext cx="2895600" cy="329184"/>
+          </a:xfrm>
+        </p:spPr>
+        <p:txBody>
+          <a:bodyPr/>
+          <a:lstStyle/>
+          <a:p>
+            <a:pPr>
+              <a:defRPr/>
+            </a:pPr>
+            <a:r>
+              <a:rPr lang="en-US" dirty="0"/>
+              <a:t>© NUS</a:t>
+            </a:r>
+          </a:p>
+        </p:txBody>
+      </p:sp>
+      <p:sp>
+        <p:nvSpPr>
+          <p:cNvPr id="15" name="HighlightTextShape201406241503265130"/>
+          <p:cNvSpPr>
+            <a:spLocks noChangeArrowheads="1"/>
+          </p:cNvSpPr>
+          <p:nvPr/>
+        </p:nvSpPr>
+        <p:spPr bwMode="auto">
+          <a:xfrm>
+            <a:off x="573206" y="1219201"/>
+            <a:ext cx="8363760" cy="1327230"/>
+          </a:xfrm>
+          <a:prstGeom prst="rect">
+            <a:avLst/>
+          </a:prstGeom>
+          <a:noFill/>
+          <a:ln w="9525">
+            <a:noFill/>
+            <a:miter lim="800000"/>
+            <a:headEnd/>
+            <a:tailEnd/>
+          </a:ln>
+        </p:spPr>
+        <p:txBody>
+          <a:bodyPr/>
+          <a:lstStyle/>
+          <a:p>
+            <a:pPr marL="342900" indent="-342900">
+              <a:spcBef>
+                <a:spcPts val="1200"/>
+              </a:spcBef>
+              <a:buClr>
+                <a:schemeClr val="accent4">
+                  <a:lumMod val="60000"/>
+                  <a:lumOff val="40000"/>
+                </a:schemeClr>
+              </a:buClr>
+              <a:buSzPct val="75000"/>
+              <a:buFont typeface="Wingdings" pitchFamily="2" charset="2"/>
+              <a:buChar char="n"/>
+            </a:pPr>
+            <a:r>
+              <a:rPr lang="en-US" sz="2400" dirty="0"/>
+              <a:t>Logic 1:</a:t>
+            </a:r>
+            <a:endParaRPr lang="en-US" sz="2000" dirty="0">
+              <a:sym typeface="Wingdings" panose="05000000000000000000" pitchFamily="2" charset="2"/>
+            </a:endParaRPr>
+          </a:p>
+          <a:p>
+            <a:pPr marL="800100" lvl="1" indent="-342900">
+              <a:spcBef>
+                <a:spcPts val="1200"/>
+              </a:spcBef>
+              <a:buClr>
+                <a:schemeClr val="accent4">
+                  <a:lumMod val="60000"/>
+                  <a:lumOff val="40000"/>
+                </a:schemeClr>
+              </a:buClr>
+              <a:buSzPct val="75000"/>
+              <a:buFont typeface="Wingdings" pitchFamily="2" charset="2"/>
+              <a:buChar char="n"/>
+            </a:pPr>
+            <a:r>
+              <a:rPr lang="en-US" sz="2000" dirty="0">
+                <a:sym typeface="Wingdings" panose="05000000000000000000" pitchFamily="2" charset="2"/>
+              </a:rPr>
+              <a:t>if </a:t>
+            </a:r>
+            <a:r>
+              <a:rPr lang="en-US" sz="2000" dirty="0">
+                <a:solidFill>
+                  <a:srgbClr val="0000FF"/>
+                </a:solidFill>
+                <a:sym typeface="Wingdings" panose="05000000000000000000" pitchFamily="2" charset="2"/>
+              </a:rPr>
+              <a:t>day</a:t>
+            </a:r>
+            <a:r>
+              <a:rPr lang="en-US" sz="2000" dirty="0">
+                <a:sym typeface="Wingdings" panose="05000000000000000000" pitchFamily="2" charset="2"/>
+              </a:rPr>
+              <a:t> equals 1 and </a:t>
+            </a:r>
+            <a:r>
+              <a:rPr lang="en-US" sz="2000" dirty="0">
+                <a:solidFill>
+                  <a:srgbClr val="0000FF"/>
+                </a:solidFill>
+                <a:sym typeface="Wingdings" panose="05000000000000000000" pitchFamily="2" charset="2"/>
+              </a:rPr>
+              <a:t>time</a:t>
+            </a:r>
+            <a:r>
+              <a:rPr lang="en-US" sz="2000" dirty="0">
+                <a:sym typeface="Wingdings" panose="05000000000000000000" pitchFamily="2" charset="2"/>
+              </a:rPr>
+              <a:t> is between 1000-1400  output …</a:t>
+            </a:r>
+          </a:p>
+          <a:p>
+            <a:pPr marL="800100" lvl="1" indent="-342900">
+              <a:spcBef>
+                <a:spcPts val="1200"/>
+              </a:spcBef>
+              <a:buClr>
+                <a:schemeClr val="accent4">
+                  <a:lumMod val="60000"/>
+                  <a:lumOff val="40000"/>
+                </a:schemeClr>
+              </a:buClr>
+              <a:buSzPct val="75000"/>
+              <a:buFont typeface="Wingdings" pitchFamily="2" charset="2"/>
+              <a:buChar char="n"/>
+            </a:pPr>
+            <a:r>
+              <a:rPr lang="en-US" sz="2000" dirty="0">
+                <a:sym typeface="Wingdings" panose="05000000000000000000" pitchFamily="2" charset="2"/>
+              </a:rPr>
+              <a:t>Otherwise, …</a:t>
+            </a:r>
+          </a:p>
+          <a:p>
+            <a:pPr marL="342900" indent="-342900">
+              <a:spcBef>
+                <a:spcPts val="1200"/>
+              </a:spcBef>
+              <a:buClr>
+                <a:schemeClr val="accent4">
+                  <a:lumMod val="60000"/>
+                  <a:lumOff val="40000"/>
+                </a:schemeClr>
+              </a:buClr>
+              <a:buSzPct val="75000"/>
+              <a:buFont typeface="Wingdings" pitchFamily="2" charset="2"/>
+              <a:buChar char="n"/>
+            </a:pPr>
+            <a:r>
+              <a:rPr lang="en-US" sz="2400" dirty="0">
+                <a:sym typeface="Wingdings" panose="05000000000000000000" pitchFamily="2" charset="2"/>
+              </a:rPr>
+              <a:t>Logic 2:</a:t>
+            </a:r>
+          </a:p>
+          <a:p>
+            <a:pPr marL="800100" lvl="1" indent="-342900">
+              <a:spcBef>
+                <a:spcPts val="1200"/>
+              </a:spcBef>
+              <a:buClr>
+                <a:schemeClr val="accent4">
+                  <a:lumMod val="60000"/>
+                  <a:lumOff val="40000"/>
+                </a:schemeClr>
+              </a:buClr>
+              <a:buSzPct val="75000"/>
+              <a:buFont typeface="Wingdings" pitchFamily="2" charset="2"/>
+              <a:buChar char="n"/>
+            </a:pPr>
+            <a:r>
+              <a:rPr lang="en-US" sz="2000" dirty="0">
+                <a:solidFill>
+                  <a:srgbClr val="0000FF"/>
+                </a:solidFill>
+                <a:sym typeface="Wingdings" panose="05000000000000000000" pitchFamily="2" charset="2"/>
+              </a:rPr>
+              <a:t>day</a:t>
+            </a:r>
+            <a:r>
+              <a:rPr lang="en-US" sz="2000" dirty="0">
+                <a:sym typeface="Wingdings" panose="05000000000000000000" pitchFamily="2" charset="2"/>
+              </a:rPr>
+              <a:t> equals 2/4/5  output "No activity".</a:t>
+            </a:r>
+          </a:p>
+          <a:p>
+            <a:pPr marL="800100" lvl="1" indent="-342900">
+              <a:spcBef>
+                <a:spcPts val="1200"/>
+              </a:spcBef>
+              <a:buClr>
+                <a:schemeClr val="accent4">
+                  <a:lumMod val="60000"/>
+                  <a:lumOff val="40000"/>
+                </a:schemeClr>
+              </a:buClr>
+              <a:buSzPct val="75000"/>
+              <a:buFont typeface="Wingdings" pitchFamily="2" charset="2"/>
+              <a:buChar char="n"/>
+            </a:pPr>
+            <a:r>
+              <a:rPr lang="en-US" sz="2000" dirty="0">
+                <a:sym typeface="Wingdings" panose="05000000000000000000" pitchFamily="2" charset="2"/>
+              </a:rPr>
+              <a:t>Otherwise, if </a:t>
+            </a:r>
+            <a:r>
+              <a:rPr lang="en-US" sz="2000" dirty="0">
+                <a:solidFill>
+                  <a:srgbClr val="0000FF"/>
+                </a:solidFill>
+                <a:sym typeface="Wingdings" panose="05000000000000000000" pitchFamily="2" charset="2"/>
+              </a:rPr>
+              <a:t>day</a:t>
+            </a:r>
+            <a:r>
+              <a:rPr lang="en-US" sz="2000" dirty="0">
+                <a:sym typeface="Wingdings" panose="05000000000000000000" pitchFamily="2" charset="2"/>
+              </a:rPr>
+              <a:t> equals 1 { if</a:t>
+            </a:r>
+            <a:r>
+              <a:rPr lang="en-US" sz="2000" dirty="0">
+                <a:solidFill>
+                  <a:srgbClr val="0000FF"/>
+                </a:solidFill>
+                <a:sym typeface="Wingdings" panose="05000000000000000000" pitchFamily="2" charset="2"/>
+              </a:rPr>
+              <a:t> time </a:t>
+            </a:r>
+            <a:r>
+              <a:rPr lang="en-US" sz="2000" dirty="0">
+                <a:sym typeface="Wingdings" panose="05000000000000000000" pitchFamily="2" charset="2"/>
+              </a:rPr>
+              <a:t>is between 1000-1400  …}</a:t>
+            </a:r>
+          </a:p>
+          <a:p>
+            <a:pPr lvl="1">
+              <a:spcBef>
+                <a:spcPts val="1200"/>
+              </a:spcBef>
+              <a:buClr>
+                <a:schemeClr val="accent4">
+                  <a:lumMod val="60000"/>
+                  <a:lumOff val="40000"/>
+                </a:schemeClr>
+              </a:buClr>
+              <a:buSzPct val="75000"/>
+            </a:pPr>
+            <a:endParaRPr lang="en-US" sz="2000" dirty="0">
+              <a:sym typeface="Wingdings" panose="05000000000000000000" pitchFamily="2" charset="2"/>
+            </a:endParaRPr>
+          </a:p>
+          <a:p>
+            <a:pPr marL="800100" lvl="1" indent="-342900">
+              <a:spcBef>
+                <a:spcPts val="1200"/>
+              </a:spcBef>
+              <a:buClr>
+                <a:schemeClr val="accent4">
+                  <a:lumMod val="60000"/>
+                  <a:lumOff val="40000"/>
+                </a:schemeClr>
+              </a:buClr>
+              <a:buSzPct val="75000"/>
+              <a:buFont typeface="Wingdings" pitchFamily="2" charset="2"/>
+              <a:buChar char="n"/>
+            </a:pPr>
+            <a:endParaRPr lang="en-US" sz="2000" dirty="0">
+              <a:sym typeface="Wingdings" panose="05000000000000000000" pitchFamily="2" charset="2"/>
+            </a:endParaRPr>
+          </a:p>
+          <a:p>
+            <a:pPr marL="800100" lvl="1" indent="-342900">
+              <a:spcBef>
+                <a:spcPts val="1200"/>
+              </a:spcBef>
+              <a:buClr>
+                <a:schemeClr val="accent4">
+                  <a:lumMod val="60000"/>
+                  <a:lumOff val="40000"/>
+                </a:schemeClr>
+              </a:buClr>
+              <a:buSzPct val="75000"/>
+              <a:buFont typeface="Wingdings" pitchFamily="2" charset="2"/>
+              <a:buChar char="n"/>
+            </a:pPr>
+            <a:endParaRPr lang="en-US" sz="2000" dirty="0">
+              <a:sym typeface="Wingdings" panose="05000000000000000000" pitchFamily="2" charset="2"/>
+            </a:endParaRPr>
+          </a:p>
+          <a:p>
+            <a:pPr marL="800100" lvl="1" indent="-342900">
+              <a:spcBef>
+                <a:spcPts val="1200"/>
+              </a:spcBef>
+              <a:buClr>
+                <a:schemeClr val="accent4">
+                  <a:lumMod val="60000"/>
+                  <a:lumOff val="40000"/>
+                </a:schemeClr>
+              </a:buClr>
+              <a:buSzPct val="75000"/>
+              <a:buFont typeface="Wingdings" pitchFamily="2" charset="2"/>
+              <a:buChar char="n"/>
+            </a:pPr>
+            <a:endParaRPr lang="en-US" sz="2000" dirty="0">
+              <a:sym typeface="Wingdings" panose="05000000000000000000" pitchFamily="2" charset="2"/>
+            </a:endParaRPr>
+          </a:p>
+          <a:p>
+            <a:pPr marL="342900" indent="-342900">
+              <a:spcBef>
+                <a:spcPts val="1200"/>
+              </a:spcBef>
+              <a:buClr>
+                <a:schemeClr val="accent4">
+                  <a:lumMod val="60000"/>
+                  <a:lumOff val="40000"/>
+                </a:schemeClr>
+              </a:buClr>
+              <a:buSzPct val="75000"/>
+              <a:buFont typeface="Wingdings" pitchFamily="2" charset="2"/>
+              <a:buChar char="n"/>
+            </a:pPr>
+            <a:endParaRPr lang="en-US" sz="2400" dirty="0"/>
+          </a:p>
+        </p:txBody>
+      </p:sp>
+      <p:graphicFrame>
+        <p:nvGraphicFramePr>
+          <p:cNvPr id="5" name="Table 5">
+            <a:extLst>
+              <a:ext uri="{FF2B5EF4-FFF2-40B4-BE49-F238E27FC236}">
+                <a16:creationId xmlns:a16="http://schemas.microsoft.com/office/drawing/2014/main" id="{9E742EBA-8F43-4310-AD68-B4660B9ECF59}"/>
+              </a:ext>
+            </a:extLst>
+          </p:cNvPr>
+          <p:cNvGraphicFramePr>
+            <a:graphicFrameLocks noGrp="1"/>
+          </p:cNvGraphicFramePr>
+          <p:nvPr>
+            <p:extLst>
+              <p:ext uri="{D42A27DB-BD31-4B8C-83A1-F6EECF244321}">
+                <p14:modId xmlns:p14="http://schemas.microsoft.com/office/powerpoint/2010/main" val="2867607185"/>
+              </p:ext>
+            </p:extLst>
+          </p:nvPr>
+        </p:nvGraphicFramePr>
+        <p:xfrm>
+          <a:off x="356909" y="4150799"/>
+          <a:ext cx="8580057" cy="2209800"/>
+        </p:xfrm>
+        <a:graphic>
+          <a:graphicData uri="http://schemas.openxmlformats.org/drawingml/2006/table">
+            <a:tbl>
+              <a:tblPr firstRow="1" bandRow="1">
+                <a:tableStyleId>{5C22544A-7EE6-4342-B048-85BDC9FD1C3A}</a:tableStyleId>
+              </a:tblPr>
+              <a:tblGrid>
+                <a:gridCol w="1055053">
+                  <a:extLst>
+                    <a:ext uri="{9D8B030D-6E8A-4147-A177-3AD203B41FA5}">
+                      <a16:colId xmlns:a16="http://schemas.microsoft.com/office/drawing/2014/main" val="1347842338"/>
+                    </a:ext>
+                  </a:extLst>
+                </a:gridCol>
+                <a:gridCol w="999871">
+                  <a:extLst>
+                    <a:ext uri="{9D8B030D-6E8A-4147-A177-3AD203B41FA5}">
+                      <a16:colId xmlns:a16="http://schemas.microsoft.com/office/drawing/2014/main" val="1099576626"/>
+                    </a:ext>
+                  </a:extLst>
+                </a:gridCol>
+                <a:gridCol w="999871">
+                  <a:extLst>
+                    <a:ext uri="{9D8B030D-6E8A-4147-A177-3AD203B41FA5}">
+                      <a16:colId xmlns:a16="http://schemas.microsoft.com/office/drawing/2014/main" val="1635334105"/>
+                    </a:ext>
+                  </a:extLst>
+                </a:gridCol>
+                <a:gridCol w="999871">
+                  <a:extLst>
+                    <a:ext uri="{9D8B030D-6E8A-4147-A177-3AD203B41FA5}">
+                      <a16:colId xmlns:a16="http://schemas.microsoft.com/office/drawing/2014/main" val="1542296081"/>
+                    </a:ext>
+                  </a:extLst>
+                </a:gridCol>
+                <a:gridCol w="999871">
+                  <a:extLst>
+                    <a:ext uri="{9D8B030D-6E8A-4147-A177-3AD203B41FA5}">
+                      <a16:colId xmlns:a16="http://schemas.microsoft.com/office/drawing/2014/main" val="2383219434"/>
+                    </a:ext>
+                  </a:extLst>
+                </a:gridCol>
+                <a:gridCol w="1008380">
+                  <a:extLst>
+                    <a:ext uri="{9D8B030D-6E8A-4147-A177-3AD203B41FA5}">
+                      <a16:colId xmlns:a16="http://schemas.microsoft.com/office/drawing/2014/main" val="1166016308"/>
+                    </a:ext>
+                  </a:extLst>
+                </a:gridCol>
+                <a:gridCol w="1008380">
+                  <a:extLst>
+                    <a:ext uri="{9D8B030D-6E8A-4147-A177-3AD203B41FA5}">
+                      <a16:colId xmlns:a16="http://schemas.microsoft.com/office/drawing/2014/main" val="891563044"/>
+                    </a:ext>
+                  </a:extLst>
+                </a:gridCol>
+                <a:gridCol w="754380">
+                  <a:extLst>
+                    <a:ext uri="{9D8B030D-6E8A-4147-A177-3AD203B41FA5}">
+                      <a16:colId xmlns:a16="http://schemas.microsoft.com/office/drawing/2014/main" val="3862921074"/>
+                    </a:ext>
+                  </a:extLst>
+                </a:gridCol>
+                <a:gridCol w="754380">
+                  <a:extLst>
+                    <a:ext uri="{9D8B030D-6E8A-4147-A177-3AD203B41FA5}">
+                      <a16:colId xmlns:a16="http://schemas.microsoft.com/office/drawing/2014/main" val="830602475"/>
+                    </a:ext>
+                  </a:extLst>
+                </a:gridCol>
+              </a:tblGrid>
+              <a:tr h="0">
+                <a:tc>
+                  <a:txBody>
+                    <a:bodyPr/>
+                    <a:lstStyle/>
+                    <a:p>
+                      <a:pPr algn="ctr"/>
+                      <a:endParaRPr lang="en-US" dirty="0"/>
+                    </a:p>
+                  </a:txBody>
+                  <a:tcPr/>
+                </a:tc>
+                <a:tc>
+                  <a:txBody>
+                    <a:bodyPr/>
+                    <a:lstStyle/>
+                    <a:p>
+                      <a:pPr algn="ctr"/>
+                      <a:r>
+                        <a:rPr lang="en-US" dirty="0"/>
+                        <a:t>1000</a:t>
+                      </a:r>
+                    </a:p>
+                  </a:txBody>
+                  <a:tcPr/>
+                </a:tc>
+                <a:tc>
+                  <a:txBody>
+                    <a:bodyPr/>
+                    <a:lstStyle/>
+                    <a:p>
+                      <a:pPr algn="ctr"/>
+                      <a:r>
+                        <a:rPr lang="en-US" dirty="0"/>
+                        <a:t>1100</a:t>
+                      </a:r>
+                    </a:p>
+                  </a:txBody>
+                  <a:tcPr/>
+                </a:tc>
+                <a:tc>
+                  <a:txBody>
+                    <a:bodyPr/>
+                    <a:lstStyle/>
+                    <a:p>
+                      <a:pPr algn="ctr"/>
+                      <a:r>
+                        <a:rPr lang="en-US" dirty="0"/>
+                        <a:t>1200</a:t>
+                      </a:r>
+                    </a:p>
+                  </a:txBody>
+                  <a:tcPr/>
+                </a:tc>
+                <a:tc>
+                  <a:txBody>
+                    <a:bodyPr/>
+                    <a:lstStyle/>
+                    <a:p>
+                      <a:pPr algn="ctr"/>
+                      <a:r>
+                        <a:rPr lang="en-US" dirty="0"/>
+                        <a:t>1300</a:t>
+                      </a:r>
+                    </a:p>
+                  </a:txBody>
+                  <a:tcPr/>
+                </a:tc>
+                <a:tc>
+                  <a:txBody>
+                    <a:bodyPr/>
+                    <a:lstStyle/>
+                    <a:p>
+                      <a:pPr algn="ctr"/>
+                      <a:r>
+                        <a:rPr lang="en-US" dirty="0"/>
+                        <a:t>1400</a:t>
+                      </a:r>
+                    </a:p>
+                  </a:txBody>
+                  <a:tcPr/>
+                </a:tc>
+                <a:tc>
+                  <a:txBody>
+                    <a:bodyPr/>
+                    <a:lstStyle/>
+                    <a:p>
+                      <a:pPr algn="ctr"/>
+                      <a:r>
+                        <a:rPr lang="en-US" dirty="0"/>
+                        <a:t>1500</a:t>
+                      </a:r>
+                    </a:p>
+                  </a:txBody>
+                  <a:tcPr/>
+                </a:tc>
+                <a:tc>
+                  <a:txBody>
+                    <a:bodyPr/>
+                    <a:lstStyle/>
+                    <a:p>
+                      <a:pPr algn="ctr"/>
+                      <a:r>
+                        <a:rPr lang="en-US" dirty="0"/>
+                        <a:t>1600</a:t>
+                      </a:r>
+                    </a:p>
+                  </a:txBody>
+                  <a:tcPr/>
+                </a:tc>
+                <a:tc>
+                  <a:txBody>
+                    <a:bodyPr/>
+                    <a:lstStyle/>
+                    <a:p>
+                      <a:pPr algn="ctr"/>
+                      <a:r>
+                        <a:rPr lang="en-US" dirty="0"/>
+                        <a:t>1700</a:t>
+                      </a:r>
+                    </a:p>
+                  </a:txBody>
+                  <a:tcPr/>
+                </a:tc>
+                <a:extLst>
+                  <a:ext uri="{0D108BD9-81ED-4DB2-BD59-A6C34878D82A}">
+                    <a16:rowId xmlns:a16="http://schemas.microsoft.com/office/drawing/2014/main" val="3119535498"/>
+                  </a:ext>
+                </a:extLst>
+              </a:tr>
+              <a:tr h="0">
+                <a:tc>
+                  <a:txBody>
+                    <a:bodyPr/>
+                    <a:lstStyle/>
+                    <a:p>
+                      <a:pPr algn="l"/>
+                      <a:r>
+                        <a:rPr lang="en-US" dirty="0"/>
+                        <a:t>1 (Mon)</a:t>
+                      </a:r>
+                    </a:p>
+                  </a:txBody>
+                  <a:tcPr/>
+                </a:tc>
+                <a:tc>
+                  <a:txBody>
+                    <a:bodyPr/>
+                    <a:lstStyle/>
+                    <a:p>
+                      <a:pPr algn="ctr"/>
+                      <a:r>
+                        <a:rPr lang="en-US" dirty="0"/>
+                        <a:t>Tutorial</a:t>
+                      </a:r>
+                    </a:p>
+                  </a:txBody>
+                  <a:tcPr/>
+                </a:tc>
+                <a:tc>
+                  <a:txBody>
+                    <a:bodyPr/>
+                    <a:lstStyle/>
+                    <a:p>
+                      <a:pPr marL="0" marR="0" lvl="0" indent="0" algn="ctr" defTabSz="914400" rtl="0" eaLnBrk="1" fontAlgn="auto" latinLnBrk="0" hangingPunct="1">
+                        <a:lnSpc>
+                          <a:spcPct val="100000"/>
+                        </a:lnSpc>
+                        <a:spcBef>
+                          <a:spcPts val="0"/>
+                        </a:spcBef>
+                        <a:spcAft>
+                          <a:spcPts val="0"/>
+                        </a:spcAft>
+                        <a:buClrTx/>
+                        <a:buSzTx/>
+                        <a:buFontTx/>
+                        <a:buNone/>
+                        <a:tabLst/>
+                        <a:defRPr/>
+                      </a:pPr>
+                      <a:r>
+                        <a:rPr lang="en-US" dirty="0"/>
+                        <a:t>Tutorial</a:t>
+                      </a:r>
+                    </a:p>
+                  </a:txBody>
+                  <a:tcPr/>
+                </a:tc>
+                <a:tc>
+                  <a:txBody>
+                    <a:bodyPr/>
+                    <a:lstStyle/>
+                    <a:p>
+                      <a:pPr marL="0" marR="0" lvl="0" indent="0" algn="ctr" defTabSz="914400" rtl="0" eaLnBrk="1" fontAlgn="auto" latinLnBrk="0" hangingPunct="1">
+                        <a:lnSpc>
+                          <a:spcPct val="100000"/>
+                        </a:lnSpc>
+                        <a:spcBef>
+                          <a:spcPts val="0"/>
+                        </a:spcBef>
+                        <a:spcAft>
+                          <a:spcPts val="0"/>
+                        </a:spcAft>
+                        <a:buClrTx/>
+                        <a:buSzTx/>
+                        <a:buFontTx/>
+                        <a:buNone/>
+                        <a:tabLst/>
+                        <a:defRPr/>
+                      </a:pPr>
+                      <a:r>
+                        <a:rPr lang="en-US" dirty="0"/>
+                        <a:t>Tutorial</a:t>
+                      </a:r>
+                    </a:p>
+                  </a:txBody>
+                  <a:tcPr/>
+                </a:tc>
+                <a:tc>
+                  <a:txBody>
+                    <a:bodyPr/>
+                    <a:lstStyle/>
+                    <a:p>
+                      <a:pPr marL="0" marR="0" lvl="0" indent="0" algn="ctr" defTabSz="914400" rtl="0" eaLnBrk="1" fontAlgn="auto" latinLnBrk="0" hangingPunct="1">
+                        <a:lnSpc>
+                          <a:spcPct val="100000"/>
+                        </a:lnSpc>
+                        <a:spcBef>
+                          <a:spcPts val="0"/>
+                        </a:spcBef>
+                        <a:spcAft>
+                          <a:spcPts val="0"/>
+                        </a:spcAft>
+                        <a:buClrTx/>
+                        <a:buSzTx/>
+                        <a:buFontTx/>
+                        <a:buNone/>
+                        <a:tabLst/>
+                        <a:defRPr/>
+                      </a:pPr>
+                      <a:r>
+                        <a:rPr lang="en-US" dirty="0"/>
+                        <a:t>Tutorial</a:t>
+                      </a:r>
+                    </a:p>
+                  </a:txBody>
+                  <a:tcPr/>
+                </a:tc>
+                <a:tc>
+                  <a:txBody>
+                    <a:bodyPr/>
+                    <a:lstStyle/>
+                    <a:p>
+                      <a:pPr algn="ctr"/>
+                      <a:r>
+                        <a:rPr lang="en-US" dirty="0"/>
+                        <a:t>Lecture</a:t>
+                      </a:r>
+                    </a:p>
+                  </a:txBody>
+                  <a:tcPr/>
+                </a:tc>
+                <a:tc>
+                  <a:txBody>
+                    <a:bodyPr/>
+                    <a:lstStyle/>
+                    <a:p>
+                      <a:pPr marL="0" marR="0" lvl="0" indent="0" algn="ctr" defTabSz="914400" rtl="0" eaLnBrk="1" fontAlgn="auto" latinLnBrk="0" hangingPunct="1">
+                        <a:lnSpc>
+                          <a:spcPct val="100000"/>
+                        </a:lnSpc>
+                        <a:spcBef>
+                          <a:spcPts val="0"/>
+                        </a:spcBef>
+                        <a:spcAft>
+                          <a:spcPts val="0"/>
+                        </a:spcAft>
+                        <a:buClrTx/>
+                        <a:buSzTx/>
+                        <a:buFontTx/>
+                        <a:buNone/>
+                        <a:tabLst/>
+                        <a:defRPr/>
+                      </a:pPr>
+                      <a:r>
+                        <a:rPr lang="en-US" dirty="0"/>
+                        <a:t>Lecture</a:t>
+                      </a:r>
+                    </a:p>
+                  </a:txBody>
+                  <a:tcPr/>
+                </a:tc>
+                <a:tc>
+                  <a:txBody>
+                    <a:bodyPr/>
+                    <a:lstStyle/>
+                    <a:p>
+                      <a:pPr algn="ctr"/>
+                      <a:r>
+                        <a:rPr lang="en-US" dirty="0"/>
+                        <a:t>-</a:t>
+                      </a:r>
+                    </a:p>
+                  </a:txBody>
+                  <a:tcPr/>
+                </a:tc>
+                <a:tc>
+                  <a:txBody>
+                    <a:bodyPr/>
+                    <a:lstStyle/>
+                    <a:p>
+                      <a:pPr algn="ctr"/>
+                      <a:r>
+                        <a:rPr lang="en-US" dirty="0"/>
+                        <a:t>-</a:t>
+                      </a:r>
+                    </a:p>
+                  </a:txBody>
+                  <a:tcPr/>
+                </a:tc>
+                <a:extLst>
+                  <a:ext uri="{0D108BD9-81ED-4DB2-BD59-A6C34878D82A}">
+                    <a16:rowId xmlns:a16="http://schemas.microsoft.com/office/drawing/2014/main" val="1189146622"/>
+                  </a:ext>
+                </a:extLst>
+              </a:tr>
+              <a:tr h="370840">
+                <a:tc>
+                  <a:txBody>
+                    <a:bodyPr/>
+                    <a:lstStyle/>
+                    <a:p>
+                      <a:pPr algn="l"/>
+                      <a:r>
+                        <a:rPr lang="en-US" dirty="0"/>
+                        <a:t>2 (Tue)</a:t>
+                      </a:r>
+                    </a:p>
+                  </a:txBody>
+                  <a:tcPr/>
+                </a:tc>
+                <a:tc>
+                  <a:txBody>
+                    <a:bodyPr/>
+                    <a:lstStyle/>
+                    <a:p>
+                      <a:pPr algn="ctr"/>
+                      <a:r>
+                        <a:rPr lang="en-US" dirty="0"/>
+                        <a:t>-</a:t>
+                      </a:r>
+                    </a:p>
+                  </a:txBody>
+                  <a:tcPr/>
+                </a:tc>
+                <a:tc>
+                  <a:txBody>
+                    <a:bodyPr/>
+                    <a:lstStyle/>
+                    <a:p>
+                      <a:pPr algn="ctr"/>
+                      <a:r>
+                        <a:rPr lang="en-US" dirty="0"/>
+                        <a:t>-</a:t>
+                      </a:r>
+                    </a:p>
+                  </a:txBody>
+                  <a:tcPr/>
+                </a:tc>
+                <a:tc>
+                  <a:txBody>
+                    <a:bodyPr/>
+                    <a:lstStyle/>
+                    <a:p>
+                      <a:pPr algn="ctr"/>
+                      <a:r>
+                        <a:rPr lang="en-US" dirty="0"/>
+                        <a:t>-</a:t>
+                      </a:r>
+                    </a:p>
+                  </a:txBody>
+                  <a:tcPr/>
+                </a:tc>
+                <a:tc>
+                  <a:txBody>
+                    <a:bodyPr/>
+                    <a:lstStyle/>
+                    <a:p>
+                      <a:pPr algn="ctr"/>
+                      <a:r>
+                        <a:rPr lang="en-US" dirty="0"/>
+                        <a:t>-</a:t>
+                      </a:r>
+                    </a:p>
+                  </a:txBody>
+                  <a:tcPr/>
+                </a:tc>
+                <a:tc>
+                  <a:txBody>
+                    <a:bodyPr/>
+                    <a:lstStyle/>
+                    <a:p>
+                      <a:pPr algn="ctr"/>
+                      <a:r>
+                        <a:rPr lang="en-US" dirty="0"/>
+                        <a:t>-</a:t>
+                      </a:r>
+                    </a:p>
+                  </a:txBody>
+                  <a:tcPr/>
+                </a:tc>
+                <a:tc>
+                  <a:txBody>
+                    <a:bodyPr/>
+                    <a:lstStyle/>
+                    <a:p>
+                      <a:pPr algn="ctr"/>
+                      <a:r>
+                        <a:rPr lang="en-US" dirty="0"/>
+                        <a:t>-</a:t>
+                      </a:r>
+                    </a:p>
+                  </a:txBody>
+                  <a:tcPr/>
+                </a:tc>
+                <a:tc>
+                  <a:txBody>
+                    <a:bodyPr/>
+                    <a:lstStyle/>
+                    <a:p>
+                      <a:pPr algn="ctr"/>
+                      <a:r>
+                        <a:rPr lang="en-US" dirty="0"/>
+                        <a:t>-</a:t>
+                      </a:r>
+                    </a:p>
+                  </a:txBody>
+                  <a:tcPr/>
+                </a:tc>
+                <a:tc>
+                  <a:txBody>
+                    <a:bodyPr/>
+                    <a:lstStyle/>
+                    <a:p>
+                      <a:pPr algn="ctr"/>
+                      <a:r>
+                        <a:rPr lang="en-US" dirty="0"/>
+                        <a:t>-</a:t>
+                      </a:r>
+                    </a:p>
+                  </a:txBody>
+                  <a:tcPr/>
+                </a:tc>
+                <a:extLst>
+                  <a:ext uri="{0D108BD9-81ED-4DB2-BD59-A6C34878D82A}">
+                    <a16:rowId xmlns:a16="http://schemas.microsoft.com/office/drawing/2014/main" val="1587814231"/>
+                  </a:ext>
+                </a:extLst>
+              </a:tr>
+              <a:tr h="370840">
+                <a:tc>
+                  <a:txBody>
+                    <a:bodyPr/>
+                    <a:lstStyle/>
+                    <a:p>
+                      <a:pPr algn="l"/>
+                      <a:r>
+                        <a:rPr lang="en-US" dirty="0"/>
+                        <a:t>3 (Wed)</a:t>
+                      </a:r>
+                    </a:p>
+                  </a:txBody>
+                  <a:tcPr/>
+                </a:tc>
+                <a:tc>
+                  <a:txBody>
+                    <a:bodyPr/>
+                    <a:lstStyle/>
+                    <a:p>
+                      <a:pPr algn="ctr"/>
+                      <a:r>
+                        <a:rPr lang="en-US" dirty="0"/>
+                        <a:t>-</a:t>
+                      </a:r>
+                    </a:p>
+                  </a:txBody>
+                  <a:tcPr/>
+                </a:tc>
+                <a:tc>
+                  <a:txBody>
+                    <a:bodyPr/>
+                    <a:lstStyle/>
+                    <a:p>
+                      <a:pPr algn="ctr"/>
+                      <a:r>
+                        <a:rPr lang="en-US" dirty="0"/>
+                        <a:t>-</a:t>
+                      </a:r>
+                    </a:p>
+                  </a:txBody>
+                  <a:tcPr/>
+                </a:tc>
+                <a:tc>
+                  <a:txBody>
+                    <a:bodyPr/>
+                    <a:lstStyle/>
+                    <a:p>
+                      <a:pPr algn="ctr"/>
+                      <a:r>
+                        <a:rPr lang="en-US" dirty="0"/>
+                        <a:t>Tutorial</a:t>
+                      </a:r>
+                    </a:p>
+                  </a:txBody>
+                  <a:tcPr/>
+                </a:tc>
+                <a:tc>
+                  <a:txBody>
+                    <a:bodyPr/>
+                    <a:lstStyle/>
+                    <a:p>
+                      <a:pPr marL="0" marR="0" lvl="0" indent="0" algn="ctr" defTabSz="914400" rtl="0" eaLnBrk="1" fontAlgn="auto" latinLnBrk="0" hangingPunct="1">
+                        <a:lnSpc>
+                          <a:spcPct val="100000"/>
+                        </a:lnSpc>
+                        <a:spcBef>
+                          <a:spcPts val="0"/>
+                        </a:spcBef>
+                        <a:spcAft>
+                          <a:spcPts val="0"/>
+                        </a:spcAft>
+                        <a:buClrTx/>
+                        <a:buSzTx/>
+                        <a:buFontTx/>
+                        <a:buNone/>
+                        <a:tabLst/>
+                        <a:defRPr/>
+                      </a:pPr>
+                      <a:r>
+                        <a:rPr lang="en-US" dirty="0"/>
+                        <a:t>Tutorial</a:t>
+                      </a:r>
+                    </a:p>
+                  </a:txBody>
+                  <a:tcPr/>
+                </a:tc>
+                <a:tc>
+                  <a:txBody>
+                    <a:bodyPr/>
+                    <a:lstStyle/>
+                    <a:p>
+                      <a:pPr marL="0" marR="0" lvl="0" indent="0" algn="ctr" defTabSz="914400" rtl="0" eaLnBrk="1" fontAlgn="auto" latinLnBrk="0" hangingPunct="1">
+                        <a:lnSpc>
+                          <a:spcPct val="100000"/>
+                        </a:lnSpc>
+                        <a:spcBef>
+                          <a:spcPts val="0"/>
+                        </a:spcBef>
+                        <a:spcAft>
+                          <a:spcPts val="0"/>
+                        </a:spcAft>
+                        <a:buClrTx/>
+                        <a:buSzTx/>
+                        <a:buFontTx/>
+                        <a:buNone/>
+                        <a:tabLst/>
+                        <a:defRPr/>
+                      </a:pPr>
+                      <a:r>
+                        <a:rPr lang="en-US" dirty="0"/>
+                        <a:t>Tutorial</a:t>
+                      </a:r>
+                    </a:p>
+                  </a:txBody>
+                  <a:tcPr/>
+                </a:tc>
+                <a:tc>
+                  <a:txBody>
+                    <a:bodyPr/>
+                    <a:lstStyle/>
+                    <a:p>
+                      <a:pPr marL="0" marR="0" lvl="0" indent="0" algn="ctr" defTabSz="914400" rtl="0" eaLnBrk="1" fontAlgn="auto" latinLnBrk="0" hangingPunct="1">
+                        <a:lnSpc>
+                          <a:spcPct val="100000"/>
+                        </a:lnSpc>
+                        <a:spcBef>
+                          <a:spcPts val="0"/>
+                        </a:spcBef>
+                        <a:spcAft>
+                          <a:spcPts val="0"/>
+                        </a:spcAft>
+                        <a:buClrTx/>
+                        <a:buSzTx/>
+                        <a:buFontTx/>
+                        <a:buNone/>
+                        <a:tabLst/>
+                        <a:defRPr/>
+                      </a:pPr>
+                      <a:r>
+                        <a:rPr lang="en-US" dirty="0"/>
+                        <a:t>Tutorial</a:t>
+                      </a:r>
+                    </a:p>
+                  </a:txBody>
+                  <a:tcPr/>
+                </a:tc>
+                <a:tc>
+                  <a:txBody>
+                    <a:bodyPr/>
+                    <a:lstStyle/>
+                    <a:p>
+                      <a:pPr algn="ctr"/>
+                      <a:r>
+                        <a:rPr lang="en-US" dirty="0"/>
+                        <a:t>-</a:t>
+                      </a:r>
+                    </a:p>
+                  </a:txBody>
+                  <a:tcPr/>
+                </a:tc>
+                <a:tc>
+                  <a:txBody>
+                    <a:bodyPr/>
+                    <a:lstStyle/>
+                    <a:p>
+                      <a:pPr algn="ctr"/>
+                      <a:r>
+                        <a:rPr lang="en-US" dirty="0"/>
+                        <a:t>-</a:t>
+                      </a:r>
+                    </a:p>
+                  </a:txBody>
+                  <a:tcPr/>
+                </a:tc>
+                <a:extLst>
+                  <a:ext uri="{0D108BD9-81ED-4DB2-BD59-A6C34878D82A}">
+                    <a16:rowId xmlns:a16="http://schemas.microsoft.com/office/drawing/2014/main" val="3757010446"/>
+                  </a:ext>
+                </a:extLst>
+              </a:tr>
+              <a:tr h="370840">
+                <a:tc>
+                  <a:txBody>
+                    <a:bodyPr/>
+                    <a:lstStyle/>
+                    <a:p>
+                      <a:pPr algn="l"/>
+                      <a:r>
+                        <a:rPr lang="en-US" dirty="0"/>
+                        <a:t>4 (Thu)</a:t>
+                      </a:r>
+                    </a:p>
+                  </a:txBody>
+                  <a:tcPr/>
+                </a:tc>
+                <a:tc>
+                  <a:txBody>
+                    <a:bodyPr/>
+                    <a:lstStyle/>
+                    <a:p>
+                      <a:pPr algn="ctr"/>
+                      <a:r>
+                        <a:rPr lang="en-US" dirty="0"/>
+                        <a:t>-</a:t>
+                      </a:r>
+                    </a:p>
+                  </a:txBody>
+                  <a:tcPr/>
+                </a:tc>
+                <a:tc>
+                  <a:txBody>
+                    <a:bodyPr/>
+                    <a:lstStyle/>
+                    <a:p>
+                      <a:pPr algn="ctr"/>
+                      <a:r>
+                        <a:rPr lang="en-US" dirty="0"/>
+                        <a:t>-</a:t>
+                      </a:r>
+                    </a:p>
+                  </a:txBody>
+                  <a:tcPr/>
+                </a:tc>
+                <a:tc>
+                  <a:txBody>
+                    <a:bodyPr/>
+                    <a:lstStyle/>
+                    <a:p>
+                      <a:pPr algn="ctr"/>
+                      <a:r>
+                        <a:rPr lang="en-US" dirty="0"/>
+                        <a:t>-</a:t>
+                      </a:r>
+                    </a:p>
+                  </a:txBody>
+                  <a:tcPr/>
+                </a:tc>
+                <a:tc>
+                  <a:txBody>
+                    <a:bodyPr/>
+                    <a:lstStyle/>
+                    <a:p>
+                      <a:pPr algn="ctr"/>
+                      <a:r>
+                        <a:rPr lang="en-US" dirty="0"/>
+                        <a:t>-</a:t>
+                      </a:r>
+                    </a:p>
+                  </a:txBody>
+                  <a:tcPr/>
+                </a:tc>
+                <a:tc>
+                  <a:txBody>
+                    <a:bodyPr/>
+                    <a:lstStyle/>
+                    <a:p>
+                      <a:pPr algn="ctr"/>
+                      <a:r>
+                        <a:rPr lang="en-US" dirty="0"/>
+                        <a:t>-</a:t>
+                      </a:r>
+                    </a:p>
+                  </a:txBody>
+                  <a:tcPr/>
+                </a:tc>
+                <a:tc>
+                  <a:txBody>
+                    <a:bodyPr/>
+                    <a:lstStyle/>
+                    <a:p>
+                      <a:pPr algn="ctr"/>
+                      <a:r>
+                        <a:rPr lang="en-US" dirty="0"/>
+                        <a:t>-</a:t>
+                      </a:r>
+                    </a:p>
+                  </a:txBody>
+                  <a:tcPr/>
+                </a:tc>
+                <a:tc>
+                  <a:txBody>
+                    <a:bodyPr/>
+                    <a:lstStyle/>
+                    <a:p>
+                      <a:pPr algn="ctr"/>
+                      <a:r>
+                        <a:rPr lang="en-US" dirty="0"/>
+                        <a:t>-</a:t>
+                      </a:r>
+                    </a:p>
+                  </a:txBody>
+                  <a:tcPr/>
+                </a:tc>
+                <a:tc>
+                  <a:txBody>
+                    <a:bodyPr/>
+                    <a:lstStyle/>
+                    <a:p>
+                      <a:pPr algn="ctr"/>
+                      <a:r>
+                        <a:rPr lang="en-US" dirty="0"/>
+                        <a:t>-</a:t>
+                      </a:r>
+                    </a:p>
+                  </a:txBody>
+                  <a:tcPr/>
+                </a:tc>
+                <a:extLst>
+                  <a:ext uri="{0D108BD9-81ED-4DB2-BD59-A6C34878D82A}">
+                    <a16:rowId xmlns:a16="http://schemas.microsoft.com/office/drawing/2014/main" val="3990964516"/>
+                  </a:ext>
+                </a:extLst>
+              </a:tr>
+              <a:tr h="0">
+                <a:tc>
+                  <a:txBody>
+                    <a:bodyPr/>
+                    <a:lstStyle/>
+                    <a:p>
+                      <a:pPr algn="l"/>
+                      <a:r>
+                        <a:rPr lang="en-US" dirty="0"/>
+                        <a:t>5 (Fri)</a:t>
+                      </a:r>
+                    </a:p>
+                  </a:txBody>
+                  <a:tcPr/>
+                </a:tc>
+                <a:tc>
+                  <a:txBody>
+                    <a:bodyPr/>
+                    <a:lstStyle/>
+                    <a:p>
+                      <a:pPr algn="ctr"/>
+                      <a:r>
+                        <a:rPr lang="en-US" dirty="0"/>
+                        <a:t>-</a:t>
+                      </a:r>
+                    </a:p>
+                  </a:txBody>
+                  <a:tcPr/>
+                </a:tc>
+                <a:tc>
+                  <a:txBody>
+                    <a:bodyPr/>
+                    <a:lstStyle/>
+                    <a:p>
+                      <a:pPr algn="ctr"/>
+                      <a:r>
+                        <a:rPr lang="en-US" dirty="0"/>
+                        <a:t>-</a:t>
+                      </a:r>
+                    </a:p>
+                  </a:txBody>
+                  <a:tcPr/>
+                </a:tc>
+                <a:tc>
+                  <a:txBody>
+                    <a:bodyPr/>
+                    <a:lstStyle/>
+                    <a:p>
+                      <a:pPr algn="ctr"/>
+                      <a:r>
+                        <a:rPr lang="en-US" dirty="0"/>
+                        <a:t>-</a:t>
+                      </a:r>
+                    </a:p>
+                  </a:txBody>
+                  <a:tcPr/>
+                </a:tc>
+                <a:tc>
+                  <a:txBody>
+                    <a:bodyPr/>
+                    <a:lstStyle/>
+                    <a:p>
+                      <a:pPr algn="ctr"/>
+                      <a:r>
+                        <a:rPr lang="en-US" dirty="0"/>
+                        <a:t>-</a:t>
+                      </a:r>
+                    </a:p>
+                  </a:txBody>
+                  <a:tcPr/>
+                </a:tc>
+                <a:tc>
+                  <a:txBody>
+                    <a:bodyPr/>
+                    <a:lstStyle/>
+                    <a:p>
+                      <a:pPr algn="ctr"/>
+                      <a:r>
+                        <a:rPr lang="en-US" dirty="0"/>
+                        <a:t>-</a:t>
+                      </a:r>
+                    </a:p>
+                  </a:txBody>
+                  <a:tcPr/>
+                </a:tc>
+                <a:tc>
+                  <a:txBody>
+                    <a:bodyPr/>
+                    <a:lstStyle/>
+                    <a:p>
+                      <a:pPr algn="ctr"/>
+                      <a:r>
+                        <a:rPr lang="en-US" dirty="0"/>
+                        <a:t>-</a:t>
+                      </a:r>
+                    </a:p>
+                  </a:txBody>
+                  <a:tcPr/>
+                </a:tc>
+                <a:tc>
+                  <a:txBody>
+                    <a:bodyPr/>
+                    <a:lstStyle/>
+                    <a:p>
+                      <a:pPr algn="ctr"/>
+                      <a:r>
+                        <a:rPr lang="en-US" dirty="0"/>
+                        <a:t>-</a:t>
+                      </a:r>
+                    </a:p>
+                  </a:txBody>
+                  <a:tcPr/>
+                </a:tc>
+                <a:tc>
+                  <a:txBody>
+                    <a:bodyPr/>
+                    <a:lstStyle/>
+                    <a:p>
+                      <a:pPr algn="ctr"/>
+                      <a:r>
+                        <a:rPr lang="en-US" dirty="0"/>
+                        <a:t>-</a:t>
+                      </a:r>
+                    </a:p>
+                  </a:txBody>
+                  <a:tcPr/>
+                </a:tc>
+                <a:extLst>
+                  <a:ext uri="{0D108BD9-81ED-4DB2-BD59-A6C34878D82A}">
+                    <a16:rowId xmlns:a16="http://schemas.microsoft.com/office/drawing/2014/main" val="3537868255"/>
+                  </a:ext>
+                </a:extLst>
+              </a:tr>
+            </a:tbl>
+          </a:graphicData>
+        </a:graphic>
+      </p:graphicFrame>
+    </p:spTree>
+    <p:extLst>
+      <p:ext uri="{BB962C8B-B14F-4D97-AF65-F5344CB8AC3E}">
+        <p14:creationId xmlns:p14="http://schemas.microsoft.com/office/powerpoint/2010/main" val="243231529"/>
       </p:ext>
     </p:extLst>
   </p:cSld>
@@ -18452,8 +22475,8 @@
         </p:nvGrpSpPr>
         <p:grpSpPr>
           <a:xfrm>
-            <a:off x="2710927" y="3969572"/>
-            <a:ext cx="1172584" cy="236668"/>
+            <a:off x="2710926" y="3969572"/>
+            <a:ext cx="1215621" cy="236668"/>
             <a:chOff x="2710927" y="3969572"/>
             <a:chExt cx="1172584" cy="236668"/>
           </a:xfrm>
@@ -23048,6 +27071,9 @@
                 <a:solidFill>
                   <a:schemeClr val="tx1"/>
                 </a:solidFill>
+                <a:highlight>
+                  <a:srgbClr val="FFFF00"/>
+                </a:highlight>
                 <a:latin typeface="Courier New" panose="02070309020205020404" pitchFamily="49" charset="0"/>
                 <a:cs typeface="Courier New" panose="02070309020205020404" pitchFamily="49" charset="0"/>
               </a:rPr>
@@ -23058,6 +27084,9 @@
                 <a:solidFill>
                   <a:srgbClr val="0000FF"/>
                 </a:solidFill>
+                <a:highlight>
+                  <a:srgbClr val="FFFF00"/>
+                </a:highlight>
                 <a:latin typeface="Courier New" panose="02070309020205020404" pitchFamily="49" charset="0"/>
                 <a:cs typeface="Courier New" panose="02070309020205020404" pitchFamily="49" charset="0"/>
               </a:rPr>
@@ -23068,6 +27097,9 @@
                 <a:solidFill>
                   <a:schemeClr val="tx1"/>
                 </a:solidFill>
+                <a:highlight>
+                  <a:srgbClr val="FFFF00"/>
+                </a:highlight>
                 <a:latin typeface="Courier New" panose="02070309020205020404" pitchFamily="49" charset="0"/>
                 <a:cs typeface="Courier New" panose="02070309020205020404" pitchFamily="49" charset="0"/>
               </a:rPr>
@@ -23078,6 +27110,9 @@
                 <a:solidFill>
                   <a:srgbClr val="C00000"/>
                 </a:solidFill>
+                <a:highlight>
+                  <a:srgbClr val="FFFF00"/>
+                </a:highlight>
                 <a:latin typeface="Courier New" panose="02070309020205020404" pitchFamily="49" charset="0"/>
                 <a:cs typeface="Courier New" panose="02070309020205020404" pitchFamily="49" charset="0"/>
               </a:rPr>
@@ -23088,6 +27123,9 @@
                 <a:solidFill>
                   <a:schemeClr val="tx1"/>
                 </a:solidFill>
+                <a:highlight>
+                  <a:srgbClr val="FFFF00"/>
+                </a:highlight>
                 <a:latin typeface="Courier New" panose="02070309020205020404" pitchFamily="49" charset="0"/>
                 <a:cs typeface="Courier New" panose="02070309020205020404" pitchFamily="49" charset="0"/>
               </a:rPr>
@@ -23109,6 +27147,9 @@
                 <a:solidFill>
                   <a:schemeClr val="tx1"/>
                 </a:solidFill>
+                <a:highlight>
+                  <a:srgbClr val="FFFF00"/>
+                </a:highlight>
                 <a:latin typeface="Courier New" panose="02070309020205020404" pitchFamily="49" charset="0"/>
                 <a:cs typeface="Courier New" panose="02070309020205020404" pitchFamily="49" charset="0"/>
               </a:rPr>
@@ -23119,6 +27160,9 @@
                 <a:solidFill>
                   <a:srgbClr val="C00000"/>
                 </a:solidFill>
+                <a:highlight>
+                  <a:srgbClr val="FFFF00"/>
+                </a:highlight>
                 <a:latin typeface="Courier New" panose="02070309020205020404" pitchFamily="49" charset="0"/>
                 <a:cs typeface="Courier New" panose="02070309020205020404" pitchFamily="49" charset="0"/>
               </a:rPr>
@@ -23129,6 +27173,9 @@
                 <a:solidFill>
                   <a:schemeClr val="tx1"/>
                 </a:solidFill>
+                <a:highlight>
+                  <a:srgbClr val="FFFF00"/>
+                </a:highlight>
                 <a:latin typeface="Courier New" panose="02070309020205020404" pitchFamily="49" charset="0"/>
                 <a:cs typeface="Courier New" panose="02070309020205020404" pitchFamily="49" charset="0"/>
               </a:rPr>
@@ -23150,6 +27197,9 @@
                 <a:solidFill>
                   <a:schemeClr val="tx1"/>
                 </a:solidFill>
+                <a:highlight>
+                  <a:srgbClr val="FFFF00"/>
+                </a:highlight>
                 <a:latin typeface="Courier New" panose="02070309020205020404" pitchFamily="49" charset="0"/>
                 <a:cs typeface="Courier New" panose="02070309020205020404" pitchFamily="49" charset="0"/>
               </a:rPr>
@@ -23160,6 +27210,9 @@
                 <a:solidFill>
                   <a:srgbClr val="0000FF"/>
                 </a:solidFill>
+                <a:highlight>
+                  <a:srgbClr val="FFFF00"/>
+                </a:highlight>
                 <a:latin typeface="Courier New" panose="02070309020205020404" pitchFamily="49" charset="0"/>
                 <a:cs typeface="Courier New" panose="02070309020205020404" pitchFamily="49" charset="0"/>
               </a:rPr>
@@ -23170,6 +27223,9 @@
                 <a:solidFill>
                   <a:schemeClr val="tx1"/>
                 </a:solidFill>
+                <a:highlight>
+                  <a:srgbClr val="FFFF00"/>
+                </a:highlight>
                 <a:latin typeface="Courier New" panose="02070309020205020404" pitchFamily="49" charset="0"/>
                 <a:cs typeface="Courier New" panose="02070309020205020404" pitchFamily="49" charset="0"/>
               </a:rPr>
@@ -23191,6 +27247,9 @@
                 <a:solidFill>
                   <a:schemeClr val="tx1"/>
                 </a:solidFill>
+                <a:highlight>
+                  <a:srgbClr val="FFFF00"/>
+                </a:highlight>
                 <a:latin typeface="Courier New" panose="02070309020205020404" pitchFamily="49" charset="0"/>
                 <a:cs typeface="Courier New" panose="02070309020205020404" pitchFamily="49" charset="0"/>
               </a:rPr>
@@ -23201,6 +27260,9 @@
                 <a:solidFill>
                   <a:srgbClr val="C00000"/>
                 </a:solidFill>
+                <a:highlight>
+                  <a:srgbClr val="FFFF00"/>
+                </a:highlight>
                 <a:latin typeface="Courier New" panose="02070309020205020404" pitchFamily="49" charset="0"/>
                 <a:cs typeface="Courier New" panose="02070309020205020404" pitchFamily="49" charset="0"/>
               </a:rPr>
@@ -23211,6 +27273,9 @@
                 <a:solidFill>
                   <a:schemeClr val="tx1"/>
                 </a:solidFill>
+                <a:highlight>
+                  <a:srgbClr val="FFFF00"/>
+                </a:highlight>
                 <a:latin typeface="Courier New" panose="02070309020205020404" pitchFamily="49" charset="0"/>
                 <a:cs typeface="Courier New" panose="02070309020205020404" pitchFamily="49" charset="0"/>
               </a:rPr>
@@ -23232,6 +27297,9 @@
                 <a:solidFill>
                   <a:schemeClr val="tx1"/>
                 </a:solidFill>
+                <a:highlight>
+                  <a:srgbClr val="FFFF00"/>
+                </a:highlight>
                 <a:latin typeface="Courier New" panose="02070309020205020404" pitchFamily="49" charset="0"/>
                 <a:cs typeface="Courier New" panose="02070309020205020404" pitchFamily="49" charset="0"/>
               </a:rPr>
@@ -23337,6 +27405,131 @@
           </a:prstGeom>
         </p:spPr>
       </p:pic>
+      <p:sp>
+        <p:nvSpPr>
+          <p:cNvPr id="9" name="TextBox 8">
+            <a:extLst>
+              <a:ext uri="{FF2B5EF4-FFF2-40B4-BE49-F238E27FC236}">
+                <a16:creationId xmlns:a16="http://schemas.microsoft.com/office/drawing/2014/main" id="{BFBD3315-263F-4198-BFCC-BA1CE3299DFA}"/>
+              </a:ext>
+            </a:extLst>
+          </p:cNvPr>
+          <p:cNvSpPr txBox="1"/>
+          <p:nvPr/>
+        </p:nvSpPr>
+        <p:spPr>
+          <a:xfrm>
+            <a:off x="184939" y="1782559"/>
+            <a:ext cx="693336" cy="3139321"/>
+          </a:xfrm>
+          <a:prstGeom prst="rect">
+            <a:avLst/>
+          </a:prstGeom>
+          <a:noFill/>
+        </p:spPr>
+        <p:txBody>
+          <a:bodyPr wrap="square" rtlCol="0">
+            <a:spAutoFit/>
+          </a:bodyPr>
+          <a:lstStyle/>
+          <a:p>
+            <a:r>
+              <a:rPr lang="en-US" b="1" dirty="0">
+                <a:latin typeface="Courier New" panose="02070309020205020404" pitchFamily="49" charset="0"/>
+                <a:cs typeface="Courier New" panose="02070309020205020404" pitchFamily="49" charset="0"/>
+              </a:rPr>
+              <a:t>1</a:t>
+            </a:r>
+          </a:p>
+          <a:p>
+            <a:r>
+              <a:rPr lang="en-US" b="1" dirty="0">
+                <a:latin typeface="Courier New" panose="02070309020205020404" pitchFamily="49" charset="0"/>
+                <a:cs typeface="Courier New" panose="02070309020205020404" pitchFamily="49" charset="0"/>
+              </a:rPr>
+              <a:t>2</a:t>
+            </a:r>
+          </a:p>
+          <a:p>
+            <a:r>
+              <a:rPr lang="en-US" b="1" dirty="0">
+                <a:latin typeface="Courier New" panose="02070309020205020404" pitchFamily="49" charset="0"/>
+                <a:cs typeface="Courier New" panose="02070309020205020404" pitchFamily="49" charset="0"/>
+              </a:rPr>
+              <a:t>3</a:t>
+            </a:r>
+          </a:p>
+          <a:p>
+            <a:r>
+              <a:rPr lang="en-US" b="1" dirty="0">
+                <a:latin typeface="Courier New" panose="02070309020205020404" pitchFamily="49" charset="0"/>
+                <a:cs typeface="Courier New" panose="02070309020205020404" pitchFamily="49" charset="0"/>
+              </a:rPr>
+              <a:t>4</a:t>
+            </a:r>
+          </a:p>
+          <a:p>
+            <a:r>
+              <a:rPr lang="en-US" b="1" dirty="0">
+                <a:latin typeface="Courier New" panose="02070309020205020404" pitchFamily="49" charset="0"/>
+                <a:cs typeface="Courier New" panose="02070309020205020404" pitchFamily="49" charset="0"/>
+              </a:rPr>
+              <a:t>5</a:t>
+            </a:r>
+          </a:p>
+          <a:p>
+            <a:r>
+              <a:rPr lang="en-US" b="1" dirty="0">
+                <a:latin typeface="Courier New" panose="02070309020205020404" pitchFamily="49" charset="0"/>
+                <a:cs typeface="Courier New" panose="02070309020205020404" pitchFamily="49" charset="0"/>
+              </a:rPr>
+              <a:t>6</a:t>
+            </a:r>
+          </a:p>
+          <a:p>
+            <a:r>
+              <a:rPr lang="en-US" b="1" dirty="0">
+                <a:latin typeface="Courier New" panose="02070309020205020404" pitchFamily="49" charset="0"/>
+                <a:cs typeface="Courier New" panose="02070309020205020404" pitchFamily="49" charset="0"/>
+              </a:rPr>
+              <a:t>7</a:t>
+            </a:r>
+          </a:p>
+          <a:p>
+            <a:r>
+              <a:rPr lang="en-US" b="1" dirty="0">
+                <a:latin typeface="Courier New" panose="02070309020205020404" pitchFamily="49" charset="0"/>
+                <a:cs typeface="Courier New" panose="02070309020205020404" pitchFamily="49" charset="0"/>
+              </a:rPr>
+              <a:t>8</a:t>
+            </a:r>
+          </a:p>
+          <a:p>
+            <a:r>
+              <a:rPr lang="en-US" b="1" dirty="0">
+                <a:latin typeface="Courier New" panose="02070309020205020404" pitchFamily="49" charset="0"/>
+                <a:cs typeface="Courier New" panose="02070309020205020404" pitchFamily="49" charset="0"/>
+              </a:rPr>
+              <a:t>9</a:t>
+            </a:r>
+          </a:p>
+          <a:p>
+            <a:r>
+              <a:rPr lang="en-US" b="1" dirty="0">
+                <a:latin typeface="Courier New" panose="02070309020205020404" pitchFamily="49" charset="0"/>
+                <a:cs typeface="Courier New" panose="02070309020205020404" pitchFamily="49" charset="0"/>
+              </a:rPr>
+              <a:t>10</a:t>
+            </a:r>
+          </a:p>
+          <a:p>
+            <a:endParaRPr lang="en-US" b="1" dirty="0">
+              <a:latin typeface="Courier New" panose="02070309020205020404" pitchFamily="49" charset="0"/>
+              <a:cs typeface="Courier New" panose="02070309020205020404" pitchFamily="49" charset="0"/>
+            </a:endParaRPr>
+          </a:p>
+        </p:txBody>
+      </p:sp>
     </p:spTree>
     <p:extLst>
       <p:ext uri="{BB962C8B-B14F-4D97-AF65-F5344CB8AC3E}">
@@ -23491,7 +27684,7 @@
         <p:spPr>
           <a:xfrm>
             <a:off x="587375" y="4081150"/>
-            <a:ext cx="6669296" cy="1657377"/>
+            <a:ext cx="6669296" cy="2031325"/>
           </a:xfrm>
           <a:prstGeom prst="rect">
             <a:avLst/>
@@ -23521,9 +27714,6 @@
           <a:lstStyle/>
           <a:p>
             <a:pPr marL="176213" lvl="1">
-              <a:lnSpc>
-                <a:spcPct val="80000"/>
-              </a:lnSpc>
               <a:buFont typeface="Wingdings" pitchFamily="2" charset="2"/>
               <a:buNone/>
               <a:defRPr/>
@@ -23579,9 +27769,6 @@
           </a:p>
           <a:p>
             <a:pPr marL="176213" lvl="1">
-              <a:lnSpc>
-                <a:spcPct val="80000"/>
-              </a:lnSpc>
               <a:buFont typeface="Wingdings" pitchFamily="2" charset="2"/>
               <a:buNone/>
               <a:defRPr/>
@@ -23626,9 +27813,6 @@
           </a:p>
           <a:p>
             <a:pPr marL="176213" lvl="1">
-              <a:lnSpc>
-                <a:spcPct val="80000"/>
-              </a:lnSpc>
               <a:buFont typeface="Wingdings" pitchFamily="2" charset="2"/>
               <a:buNone/>
               <a:defRPr/>
@@ -23667,9 +27851,6 @@
           </a:p>
           <a:p>
             <a:pPr marL="176213" lvl="1">
-              <a:lnSpc>
-                <a:spcPct val="80000"/>
-              </a:lnSpc>
               <a:defRPr/>
             </a:pPr>
             <a:r>
@@ -23716,9 +27897,6 @@
           </a:p>
           <a:p>
             <a:pPr marL="176213" lvl="1">
-              <a:lnSpc>
-                <a:spcPct val="80000"/>
-              </a:lnSpc>
               <a:buFont typeface="Wingdings" pitchFamily="2" charset="2"/>
               <a:buNone/>
               <a:defRPr/>
@@ -25720,45 +29898,7 @@
                 <a:latin typeface="Courier New" panose="02070309020205020404" pitchFamily="49" charset="0"/>
                 <a:cs typeface="Courier New" panose="02070309020205020404" pitchFamily="49" charset="0"/>
               </a:rPr>
-              <a:t>) {</a:t>
-            </a:r>
-            <a:r>
-              <a:rPr lang="en-US" sz="2000" b="1" i="0" dirty="0">
-                <a:solidFill>
-                  <a:srgbClr val="36464E"/>
-                </a:solidFill>
-                <a:effectLst/>
-                <a:latin typeface="Courier New" panose="02070309020205020404" pitchFamily="49" charset="0"/>
-                <a:cs typeface="Courier New" panose="02070309020205020404" pitchFamily="49" charset="0"/>
-              </a:rPr>
-              <a:t> </a:t>
-            </a:r>
-            <a:r>
-              <a:rPr lang="en-US" sz="2000" b="1" i="0" dirty="0">
-                <a:effectLst/>
-                <a:latin typeface="Courier New" panose="02070309020205020404" pitchFamily="49" charset="0"/>
-                <a:cs typeface="Courier New" panose="02070309020205020404" pitchFamily="49" charset="0"/>
-              </a:rPr>
-              <a:t>:</a:t>
-            </a:r>
-            <a:r>
-              <a:rPr lang="en-US" sz="2000" b="1" i="0" dirty="0">
-                <a:solidFill>
-                  <a:srgbClr val="36464E"/>
-                </a:solidFill>
-                <a:effectLst/>
-                <a:latin typeface="Courier New" panose="02070309020205020404" pitchFamily="49" charset="0"/>
-                <a:cs typeface="Courier New" panose="02070309020205020404" pitchFamily="49" charset="0"/>
-              </a:rPr>
-              <a:t> </a:t>
-            </a:r>
-            <a:r>
-              <a:rPr lang="en-US" sz="2000" b="1" i="0" dirty="0">
-                <a:effectLst/>
-                <a:latin typeface="Courier New" panose="02070309020205020404" pitchFamily="49" charset="0"/>
-                <a:cs typeface="Courier New" panose="02070309020205020404" pitchFamily="49" charset="0"/>
-              </a:rPr>
-              <a:t>}</a:t>
+              <a:t>) …</a:t>
             </a:r>
             <a:endParaRPr lang="en-US" sz="2000" b="1" dirty="0">
               <a:solidFill>
@@ -25784,7 +29924,7 @@
         </p:nvSpPr>
         <p:spPr>
           <a:xfrm>
-            <a:off x="5742998" y="5831277"/>
+            <a:off x="5742998" y="5491379"/>
             <a:ext cx="3274580" cy="923330"/>
           </a:xfrm>
           <a:prstGeom prst="rect">
@@ -25835,6 +29975,262 @@
   <p:transition>
     <p:fade/>
   </p:transition>
+  <p:timing>
+    <p:tnLst>
+      <p:par>
+        <p:cTn id="1" dur="indefinite" restart="never" nodeType="tmRoot">
+          <p:childTnLst>
+            <p:seq concurrent="1" nextAc="seek">
+              <p:cTn id="2" dur="indefinite" nodeType="mainSeq">
+                <p:childTnLst>
+                  <p:par>
+                    <p:cTn id="3" fill="hold">
+                      <p:stCondLst>
+                        <p:cond delay="indefinite"/>
+                      </p:stCondLst>
+                      <p:childTnLst>
+                        <p:par>
+                          <p:cTn id="4" fill="hold">
+                            <p:stCondLst>
+                              <p:cond delay="0"/>
+                            </p:stCondLst>
+                            <p:childTnLst>
+                              <p:par>
+                                <p:cTn id="5" presetID="1" presetClass="entr" presetSubtype="0" fill="hold" nodeType="clickEffect">
+                                  <p:stCondLst>
+                                    <p:cond delay="0"/>
+                                  </p:stCondLst>
+                                  <p:childTnLst>
+                                    <p:set>
+                                      <p:cBhvr>
+                                        <p:cTn id="6" dur="1" fill="hold">
+                                          <p:stCondLst>
+                                            <p:cond delay="0"/>
+                                          </p:stCondLst>
+                                        </p:cTn>
+                                        <p:tgtEl>
+                                          <p:spTgt spid="25">
+                                            <p:txEl>
+                                              <p:pRg st="4" end="4"/>
+                                            </p:txEl>
+                                          </p:spTgt>
+                                        </p:tgtEl>
+                                        <p:attrNameLst>
+                                          <p:attrName>style.visibility</p:attrName>
+                                        </p:attrNameLst>
+                                      </p:cBhvr>
+                                      <p:to>
+                                        <p:strVal val="visible"/>
+                                      </p:to>
+                                    </p:set>
+                                  </p:childTnLst>
+                                </p:cTn>
+                              </p:par>
+                            </p:childTnLst>
+                          </p:cTn>
+                        </p:par>
+                      </p:childTnLst>
+                    </p:cTn>
+                  </p:par>
+                  <p:par>
+                    <p:cTn id="7" fill="hold">
+                      <p:stCondLst>
+                        <p:cond delay="indefinite"/>
+                      </p:stCondLst>
+                      <p:childTnLst>
+                        <p:par>
+                          <p:cTn id="8" fill="hold">
+                            <p:stCondLst>
+                              <p:cond delay="0"/>
+                            </p:stCondLst>
+                            <p:childTnLst>
+                              <p:par>
+                                <p:cTn id="9" presetID="1" presetClass="entr" presetSubtype="0" fill="hold" grpId="0" nodeType="clickEffect">
+                                  <p:stCondLst>
+                                    <p:cond delay="0"/>
+                                  </p:stCondLst>
+                                  <p:childTnLst>
+                                    <p:set>
+                                      <p:cBhvr>
+                                        <p:cTn id="10" dur="1" fill="hold">
+                                          <p:stCondLst>
+                                            <p:cond delay="0"/>
+                                          </p:stCondLst>
+                                        </p:cTn>
+                                        <p:tgtEl>
+                                          <p:spTgt spid="26"/>
+                                        </p:tgtEl>
+                                        <p:attrNameLst>
+                                          <p:attrName>style.visibility</p:attrName>
+                                        </p:attrNameLst>
+                                      </p:cBhvr>
+                                      <p:to>
+                                        <p:strVal val="visible"/>
+                                      </p:to>
+                                    </p:set>
+                                  </p:childTnLst>
+                                </p:cTn>
+                              </p:par>
+                              <p:par>
+                                <p:cTn id="11" presetID="1" presetClass="entr" presetSubtype="0" fill="hold" grpId="0" nodeType="withEffect">
+                                  <p:stCondLst>
+                                    <p:cond delay="0"/>
+                                  </p:stCondLst>
+                                  <p:childTnLst>
+                                    <p:set>
+                                      <p:cBhvr>
+                                        <p:cTn id="12" dur="1" fill="hold">
+                                          <p:stCondLst>
+                                            <p:cond delay="0"/>
+                                          </p:stCondLst>
+                                        </p:cTn>
+                                        <p:tgtEl>
+                                          <p:spTgt spid="27"/>
+                                        </p:tgtEl>
+                                        <p:attrNameLst>
+                                          <p:attrName>style.visibility</p:attrName>
+                                        </p:attrNameLst>
+                                      </p:cBhvr>
+                                      <p:to>
+                                        <p:strVal val="visible"/>
+                                      </p:to>
+                                    </p:set>
+                                  </p:childTnLst>
+                                </p:cTn>
+                              </p:par>
+                              <p:par>
+                                <p:cTn id="13" presetID="1" presetClass="entr" presetSubtype="0" fill="hold" nodeType="withEffect">
+                                  <p:stCondLst>
+                                    <p:cond delay="0"/>
+                                  </p:stCondLst>
+                                  <p:childTnLst>
+                                    <p:set>
+                                      <p:cBhvr>
+                                        <p:cTn id="14" dur="1" fill="hold">
+                                          <p:stCondLst>
+                                            <p:cond delay="0"/>
+                                          </p:stCondLst>
+                                        </p:cTn>
+                                        <p:tgtEl>
+                                          <p:spTgt spid="10"/>
+                                        </p:tgtEl>
+                                        <p:attrNameLst>
+                                          <p:attrName>style.visibility</p:attrName>
+                                        </p:attrNameLst>
+                                      </p:cBhvr>
+                                      <p:to>
+                                        <p:strVal val="visible"/>
+                                      </p:to>
+                                    </p:set>
+                                  </p:childTnLst>
+                                </p:cTn>
+                              </p:par>
+                            </p:childTnLst>
+                          </p:cTn>
+                        </p:par>
+                      </p:childTnLst>
+                    </p:cTn>
+                  </p:par>
+                  <p:par>
+                    <p:cTn id="15" fill="hold">
+                      <p:stCondLst>
+                        <p:cond delay="indefinite"/>
+                      </p:stCondLst>
+                      <p:childTnLst>
+                        <p:par>
+                          <p:cTn id="16" fill="hold">
+                            <p:stCondLst>
+                              <p:cond delay="0"/>
+                            </p:stCondLst>
+                            <p:childTnLst>
+                              <p:par>
+                                <p:cTn id="17" presetID="1" presetClass="entr" presetSubtype="0" fill="hold" grpId="0" nodeType="clickEffect">
+                                  <p:stCondLst>
+                                    <p:cond delay="0"/>
+                                  </p:stCondLst>
+                                  <p:childTnLst>
+                                    <p:set>
+                                      <p:cBhvr>
+                                        <p:cTn id="18" dur="1" fill="hold">
+                                          <p:stCondLst>
+                                            <p:cond delay="0"/>
+                                          </p:stCondLst>
+                                        </p:cTn>
+                                        <p:tgtEl>
+                                          <p:spTgt spid="11"/>
+                                        </p:tgtEl>
+                                        <p:attrNameLst>
+                                          <p:attrName>style.visibility</p:attrName>
+                                        </p:attrNameLst>
+                                      </p:cBhvr>
+                                      <p:to>
+                                        <p:strVal val="visible"/>
+                                      </p:to>
+                                    </p:set>
+                                  </p:childTnLst>
+                                </p:cTn>
+                              </p:par>
+                              <p:par>
+                                <p:cTn id="19" presetID="1" presetClass="entr" presetSubtype="0" fill="hold" grpId="0" nodeType="withEffect">
+                                  <p:stCondLst>
+                                    <p:cond delay="0"/>
+                                  </p:stCondLst>
+                                  <p:childTnLst>
+                                    <p:set>
+                                      <p:cBhvr>
+                                        <p:cTn id="20" dur="1" fill="hold">
+                                          <p:stCondLst>
+                                            <p:cond delay="0"/>
+                                          </p:stCondLst>
+                                        </p:cTn>
+                                        <p:tgtEl>
+                                          <p:spTgt spid="13"/>
+                                        </p:tgtEl>
+                                        <p:attrNameLst>
+                                          <p:attrName>style.visibility</p:attrName>
+                                        </p:attrNameLst>
+                                      </p:cBhvr>
+                                      <p:to>
+                                        <p:strVal val="visible"/>
+                                      </p:to>
+                                    </p:set>
+                                  </p:childTnLst>
+                                </p:cTn>
+                              </p:par>
+                            </p:childTnLst>
+                          </p:cTn>
+                        </p:par>
+                      </p:childTnLst>
+                    </p:cTn>
+                  </p:par>
+                </p:childTnLst>
+              </p:cTn>
+              <p:prevCondLst>
+                <p:cond evt="onPrev" delay="0">
+                  <p:tgtEl>
+                    <p:sldTgt/>
+                  </p:tgtEl>
+                </p:cond>
+              </p:prevCondLst>
+              <p:nextCondLst>
+                <p:cond evt="onNext" delay="0">
+                  <p:tgtEl>
+                    <p:sldTgt/>
+                  </p:tgtEl>
+                </p:cond>
+              </p:nextCondLst>
+            </p:seq>
+          </p:childTnLst>
+        </p:cTn>
+      </p:par>
+    </p:tnLst>
+    <p:bldLst>
+      <p:bldP spid="26" grpId="0" animBg="1"/>
+      <p:bldP spid="27" grpId="0" animBg="1"/>
+      <p:bldP spid="11" grpId="0" animBg="1"/>
+      <p:bldP spid="13" grpId="0" animBg="1"/>
+    </p:bldLst>
+  </p:timing>
 </p:sld>
 </file>
 

--- a/slides/Unit8_Conditional Statements.pptx
+++ b/slides/Unit8_Conditional Statements.pptx
@@ -192,7 +192,7 @@
 <file path=ppt/revisionInfo.xml><?xml version="1.0" encoding="utf-8"?>
 <p1510:revInfo xmlns:a="http://schemas.openxmlformats.org/drawingml/2006/main" xmlns:r="http://schemas.openxmlformats.org/officeDocument/2006/relationships" xmlns:p1510="http://schemas.microsoft.com/office/powerpoint/2015/10/main">
   <p1510:revLst>
-    <p1510:client id="{C93C4A5C-67F6-447F-9979-A1EEF99F3828}" v="96" dt="2021-02-01T05:20:28.908"/>
+    <p1510:client id="{54B6DBA3-E28E-488E-AEF7-D65CCEDE1D4B}" v="2" dt="2021-02-03T07:52:45.635"/>
   </p1510:revLst>
 </p1510:revInfo>
 </file>
@@ -2188,9 +2188,40 @@
     </pc:docChg>
   </pc:docChgLst>
   <pc:docChgLst>
+    <pc:chgData name="Zhao Jin" userId="cd05a825-544c-438a-9ba1-08e63db50b47" providerId="ADAL" clId="{54B6DBA3-E28E-488E-AEF7-D65CCEDE1D4B}"/>
+    <pc:docChg chg="undo custSel addSld delSld modSld">
+      <pc:chgData name="Zhao Jin" userId="cd05a825-544c-438a-9ba1-08e63db50b47" providerId="ADAL" clId="{54B6DBA3-E28E-488E-AEF7-D65CCEDE1D4B}" dt="2021-02-03T07:52:45.634" v="3"/>
+      <pc:docMkLst>
+        <pc:docMk/>
+      </pc:docMkLst>
+      <pc:sldChg chg="addSp delSp mod">
+        <pc:chgData name="Zhao Jin" userId="cd05a825-544c-438a-9ba1-08e63db50b47" providerId="ADAL" clId="{54B6DBA3-E28E-488E-AEF7-D65CCEDE1D4B}" dt="2021-02-03T07:52:37.386" v="1" actId="22"/>
+        <pc:sldMkLst>
+          <pc:docMk/>
+          <pc:sldMk cId="2438607696" sldId="468"/>
+        </pc:sldMkLst>
+        <pc:spChg chg="add del">
+          <ac:chgData name="Zhao Jin" userId="cd05a825-544c-438a-9ba1-08e63db50b47" providerId="ADAL" clId="{54B6DBA3-E28E-488E-AEF7-D65CCEDE1D4B}" dt="2021-02-03T07:52:37.386" v="1" actId="22"/>
+          <ac:spMkLst>
+            <pc:docMk/>
+            <pc:sldMk cId="2438607696" sldId="468"/>
+            <ac:spMk id="8" creationId="{1029B04D-AC3C-4A29-9E1C-CB171A1954EF}"/>
+          </ac:spMkLst>
+        </pc:spChg>
+      </pc:sldChg>
+      <pc:sldChg chg="add del">
+        <pc:chgData name="Zhao Jin" userId="cd05a825-544c-438a-9ba1-08e63db50b47" providerId="ADAL" clId="{54B6DBA3-E28E-488E-AEF7-D65CCEDE1D4B}" dt="2021-02-03T07:52:45.634" v="3"/>
+        <pc:sldMkLst>
+          <pc:docMk/>
+          <pc:sldMk cId="92291925" sldId="564"/>
+        </pc:sldMkLst>
+      </pc:sldChg>
+    </pc:docChg>
+  </pc:docChgLst>
+  <pc:docChgLst>
     <pc:chgData name="Zhao Jin" userId="cd05a825-544c-438a-9ba1-08e63db50b47" providerId="ADAL" clId="{B1F7CFED-A664-443A-A173-5DFC1A50598C}"/>
     <pc:docChg chg="undo custSel addSld delSld modSld sldOrd">
-      <pc:chgData name="Zhao Jin" userId="cd05a825-544c-438a-9ba1-08e63db50b47" providerId="ADAL" clId="{B1F7CFED-A664-443A-A173-5DFC1A50598C}" dt="2021-01-27T11:27:42.250" v="3304" actId="20577"/>
+      <pc:chgData name="Zhao Jin" userId="cd05a825-544c-438a-9ba1-08e63db50b47" providerId="ADAL" clId="{B1F7CFED-A664-443A-A173-5DFC1A50598C}" dt="2021-02-03T07:45:37.894" v="3318" actId="20577"/>
       <pc:docMkLst>
         <pc:docMk/>
       </pc:docMkLst>
@@ -2236,6 +2267,21 @@
             <pc:docMk/>
             <pc:sldMk cId="3792232794" sldId="504"/>
             <ac:spMk id="14340" creationId="{00000000-0000-0000-0000-000000000000}"/>
+          </ac:spMkLst>
+        </pc:spChg>
+      </pc:sldChg>
+      <pc:sldChg chg="modSp mod">
+        <pc:chgData name="Zhao Jin" userId="cd05a825-544c-438a-9ba1-08e63db50b47" providerId="ADAL" clId="{B1F7CFED-A664-443A-A173-5DFC1A50598C}" dt="2021-02-03T07:45:32.942" v="3309" actId="20577"/>
+        <pc:sldMkLst>
+          <pc:docMk/>
+          <pc:sldMk cId="2775173622" sldId="524"/>
+        </pc:sldMkLst>
+        <pc:spChg chg="mod">
+          <ac:chgData name="Zhao Jin" userId="cd05a825-544c-438a-9ba1-08e63db50b47" providerId="ADAL" clId="{B1F7CFED-A664-443A-A173-5DFC1A50598C}" dt="2021-02-03T07:45:32.942" v="3309" actId="20577"/>
+          <ac:spMkLst>
+            <pc:docMk/>
+            <pc:sldMk cId="2775173622" sldId="524"/>
+            <ac:spMk id="9" creationId="{00000000-0000-0000-0000-000000000000}"/>
           </ac:spMkLst>
         </pc:spChg>
       </pc:sldChg>
@@ -3306,6 +3352,21 @@
           <pc:docMk/>
           <pc:sldMk cId="3295203065" sldId="562"/>
         </pc:sldMkLst>
+      </pc:sldChg>
+      <pc:sldChg chg="modSp mod">
+        <pc:chgData name="Zhao Jin" userId="cd05a825-544c-438a-9ba1-08e63db50b47" providerId="ADAL" clId="{B1F7CFED-A664-443A-A173-5DFC1A50598C}" dt="2021-02-03T07:45:37.894" v="3318" actId="20577"/>
+        <pc:sldMkLst>
+          <pc:docMk/>
+          <pc:sldMk cId="243231529" sldId="563"/>
+        </pc:sldMkLst>
+        <pc:spChg chg="mod">
+          <ac:chgData name="Zhao Jin" userId="cd05a825-544c-438a-9ba1-08e63db50b47" providerId="ADAL" clId="{B1F7CFED-A664-443A-A173-5DFC1A50598C}" dt="2021-02-03T07:45:37.894" v="3318" actId="20577"/>
+          <ac:spMkLst>
+            <pc:docMk/>
+            <pc:sldMk cId="243231529" sldId="563"/>
+            <ac:spMk id="9" creationId="{00000000-0000-0000-0000-000000000000}"/>
+          </ac:spMkLst>
+        </pc:spChg>
       </pc:sldChg>
       <pc:sldChg chg="addSp delSp modSp add del mod delAnim">
         <pc:chgData name="Zhao Jin" userId="cd05a825-544c-438a-9ba1-08e63db50b47" providerId="ADAL" clId="{B1F7CFED-A664-443A-A173-5DFC1A50598C}" dt="2021-01-27T07:45:01.753" v="2627" actId="47"/>
@@ -4389,7 +4450,7 @@
               <a:pPr>
                 <a:defRPr/>
               </a:pPr>
-              <a:t>2/1/2021</a:t>
+              <a:t>2/3/2021</a:t>
             </a:fld>
             <a:endParaRPr lang="en-US" dirty="0"/>
           </a:p>
@@ -16848,7 +16909,7 @@
             </a:pPr>
             <a:r>
               <a:rPr lang="en-US" dirty="0"/>
-              <a:t>Week3 </a:t>
+              <a:t>Unit8 </a:t>
             </a:r>
             <a:r>
               <a:rPr dirty="0"/>
@@ -18284,7 +18345,7 @@
             </a:pPr>
             <a:r>
               <a:rPr lang="en-US" dirty="0"/>
-              <a:t>Week3 </a:t>
+              <a:t>Unit8 </a:t>
             </a:r>
             <a:r>
               <a:rPr dirty="0"/>
